--- a/python-tutorial.pptx
+++ b/python-tutorial.pptx
@@ -8587,7 +8587,7 @@
         </p:spPr>
         <p:txBody>
           <a:bodyPr>
-            <a:normAutofit lnSpcReduction="10000"/>
+            <a:normAutofit/>
           </a:bodyPr>
           <a:lstStyle/>
           <a:p>
@@ -8671,17 +8671,6 @@
               <a:buFontTx/>
               <a:buChar char="-"/>
             </a:pPr>
-            <a:endParaRPr lang="en-CA" sz="2000" dirty="0"/>
-          </a:p>
-          <a:p>
-            <a:pPr>
-              <a:buFontTx/>
-              <a:buChar char="-"/>
-            </a:pPr>
-            <a:r>
-              <a:rPr lang="en-CA" sz="2000" dirty="0"/>
-              <a:t># If time isn't enough:# Range and ZIP# Write/Read from a file# Write/Read from a CSV# Pandas basics</a:t>
-            </a:r>
             <a:endParaRPr lang="en-CA" sz="2000" dirty="0"/>
           </a:p>
         </p:txBody>
@@ -11431,6 +11420,44 @@
               <a:t>6</a:t>
             </a:fld>
             <a:endParaRPr lang="en-CA"/>
+          </a:p>
+        </p:txBody>
+      </p:sp>
+      <p:sp>
+        <p:nvSpPr>
+          <p:cNvPr id="4" name="TextBox 3"/>
+          <p:cNvSpPr txBox="1"/>
+          <p:nvPr/>
+        </p:nvSpPr>
+        <p:spPr>
+          <a:xfrm>
+            <a:off x="457200" y="4644221"/>
+            <a:ext cx="7848600" cy="1077218"/>
+          </a:xfrm>
+          <a:prstGeom prst="rect">
+            <a:avLst/>
+          </a:prstGeom>
+          <a:noFill/>
+        </p:spPr>
+        <p:txBody>
+          <a:bodyPr wrap="square" rtlCol="0">
+            <a:spAutoFit/>
+          </a:bodyPr>
+          <a:lstStyle/>
+          <a:p>
+            <a:r>
+              <a:rPr lang="en-US" sz="3200" dirty="0" smtClean="0"/>
+              <a:t>Let’s move on to the </a:t>
+            </a:r>
+            <a:r>
+              <a:rPr lang="en-US" sz="3200" dirty="0" err="1" smtClean="0"/>
+              <a:t>Jupyter</a:t>
+            </a:r>
+            <a:r>
+              <a:rPr lang="en-US" sz="3200" dirty="0" smtClean="0"/>
+              <a:t> Notebook for some hands-on experience.</a:t>
+            </a:r>
+            <a:endParaRPr lang="en-US" sz="3200" dirty="0"/>
           </a:p>
         </p:txBody>
       </p:sp>

--- a/python-tutorial.pptx
+++ b/python-tutorial.pptx
@@ -5,7 +5,7 @@
     <p:sldMasterId id="2147483648" r:id="rId1"/>
   </p:sldMasterIdLst>
   <p:notesMasterIdLst>
-    <p:notesMasterId r:id="rId22"/>
+    <p:notesMasterId r:id="rId21"/>
   </p:notesMasterIdLst>
   <p:sldIdLst>
     <p:sldId id="256" r:id="rId2"/>
@@ -21,13 +21,12 @@
     <p:sldId id="283" r:id="rId12"/>
     <p:sldId id="284" r:id="rId13"/>
     <p:sldId id="295" r:id="rId14"/>
-    <p:sldId id="285" r:id="rId15"/>
-    <p:sldId id="286" r:id="rId16"/>
-    <p:sldId id="287" r:id="rId17"/>
-    <p:sldId id="289" r:id="rId18"/>
-    <p:sldId id="290" r:id="rId19"/>
-    <p:sldId id="296" r:id="rId20"/>
-    <p:sldId id="291" r:id="rId21"/>
+    <p:sldId id="286" r:id="rId15"/>
+    <p:sldId id="287" r:id="rId16"/>
+    <p:sldId id="289" r:id="rId17"/>
+    <p:sldId id="290" r:id="rId18"/>
+    <p:sldId id="296" r:id="rId19"/>
+    <p:sldId id="291" r:id="rId20"/>
   </p:sldIdLst>
   <p:sldSz cx="9144000" cy="6858000" type="screen4x3"/>
   <p:notesSz cx="6858000" cy="9144000"/>
@@ -144,7 +143,6 @@
             <p14:sldId id="283"/>
             <p14:sldId id="284"/>
             <p14:sldId id="295"/>
-            <p14:sldId id="285"/>
             <p14:sldId id="286"/>
             <p14:sldId id="287"/>
             <p14:sldId id="289"/>
@@ -255,7 +253,7 @@
           <a:p>
             <a:fld id="{86B415E5-134F-4053-9B23-46B91D4D2BC3}" type="datetimeFigureOut">
               <a:rPr lang="en-CA" smtClean="0"/>
-              <a:t>2018-09-13</a:t>
+              <a:t>2018-09-19</a:t>
             </a:fld>
             <a:endParaRPr lang="en-CA"/>
           </a:p>
@@ -704,7 +702,7 @@
           <a:p>
             <a:fld id="{165EDE8E-31DB-4C9D-8C03-8A3D8C83948A}" type="datetime1">
               <a:rPr lang="en-CA" smtClean="0"/>
-              <a:t>2018-09-13</a:t>
+              <a:t>2018-09-19</a:t>
             </a:fld>
             <a:endParaRPr lang="en-CA"/>
           </a:p>
@@ -874,7 +872,7 @@
           <a:p>
             <a:fld id="{A257B4C1-4504-4922-98A9-F66F826CAEFB}" type="datetime1">
               <a:rPr lang="en-CA" smtClean="0"/>
-              <a:t>2018-09-13</a:t>
+              <a:t>2018-09-19</a:t>
             </a:fld>
             <a:endParaRPr lang="en-CA"/>
           </a:p>
@@ -1054,7 +1052,7 @@
           <a:p>
             <a:fld id="{F31D80C0-D867-4B86-99D8-A77C5482E2A0}" type="datetime1">
               <a:rPr lang="en-CA" smtClean="0"/>
-              <a:t>2018-09-13</a:t>
+              <a:t>2018-09-19</a:t>
             </a:fld>
             <a:endParaRPr lang="en-CA"/>
           </a:p>
@@ -1224,7 +1222,7 @@
           <a:p>
             <a:fld id="{38A8C73F-6731-456B-AE12-6CE49AF37C3B}" type="datetime1">
               <a:rPr lang="en-CA" smtClean="0"/>
-              <a:t>2018-09-13</a:t>
+              <a:t>2018-09-19</a:t>
             </a:fld>
             <a:endParaRPr lang="en-CA"/>
           </a:p>
@@ -1470,7 +1468,7 @@
           <a:p>
             <a:fld id="{361F46D4-BF15-4523-A8D9-256F4BA8EDB4}" type="datetime1">
               <a:rPr lang="en-CA" smtClean="0"/>
-              <a:t>2018-09-13</a:t>
+              <a:t>2018-09-19</a:t>
             </a:fld>
             <a:endParaRPr lang="en-CA"/>
           </a:p>
@@ -1758,7 +1756,7 @@
           <a:p>
             <a:fld id="{6325B1D7-5A3B-4B62-BF46-5F91397CC756}" type="datetime1">
               <a:rPr lang="en-CA" smtClean="0"/>
-              <a:t>2018-09-13</a:t>
+              <a:t>2018-09-19</a:t>
             </a:fld>
             <a:endParaRPr lang="en-CA"/>
           </a:p>
@@ -2180,7 +2178,7 @@
           <a:p>
             <a:fld id="{0071FB58-811E-4DDC-93E2-2776CC386903}" type="datetime1">
               <a:rPr lang="en-CA" smtClean="0"/>
-              <a:t>2018-09-13</a:t>
+              <a:t>2018-09-19</a:t>
             </a:fld>
             <a:endParaRPr lang="en-CA"/>
           </a:p>
@@ -2298,7 +2296,7 @@
           <a:p>
             <a:fld id="{E7257435-C57D-4583-983F-87EC0FB1170D}" type="datetime1">
               <a:rPr lang="en-CA" smtClean="0"/>
-              <a:t>2018-09-13</a:t>
+              <a:t>2018-09-19</a:t>
             </a:fld>
             <a:endParaRPr lang="en-CA"/>
           </a:p>
@@ -2393,7 +2391,7 @@
           <a:p>
             <a:fld id="{2864147F-603F-499F-BDC0-B469CDD69892}" type="datetime1">
               <a:rPr lang="en-CA" smtClean="0"/>
-              <a:t>2018-09-13</a:t>
+              <a:t>2018-09-19</a:t>
             </a:fld>
             <a:endParaRPr lang="en-CA"/>
           </a:p>
@@ -2670,7 +2668,7 @@
           <a:p>
             <a:fld id="{0F0D7877-C893-468A-92BA-A883A41C331A}" type="datetime1">
               <a:rPr lang="en-CA" smtClean="0"/>
-              <a:t>2018-09-13</a:t>
+              <a:t>2018-09-19</a:t>
             </a:fld>
             <a:endParaRPr lang="en-CA"/>
           </a:p>
@@ -2923,7 +2921,7 @@
           <a:p>
             <a:fld id="{E57CFEF5-08DA-48F9-8DB9-AF1A5BDE3D86}" type="datetime1">
               <a:rPr lang="en-CA" smtClean="0"/>
-              <a:t>2018-09-13</a:t>
+              <a:t>2018-09-19</a:t>
             </a:fld>
             <a:endParaRPr lang="en-CA"/>
           </a:p>
@@ -3136,7 +3134,7 @@
           <a:p>
             <a:fld id="{23D10838-8674-411E-B830-65A01EDB8B0A}" type="datetime1">
               <a:rPr lang="en-CA" smtClean="0"/>
-              <a:t>2018-09-13</a:t>
+              <a:t>2018-09-19</a:t>
             </a:fld>
             <a:endParaRPr lang="en-CA"/>
           </a:p>
@@ -5359,1574 +5357,98 @@
                 </a:solidFill>
                 <a:latin typeface="Garamond" pitchFamily="18" charset="0"/>
               </a:rPr>
-              <a:t>Example: Linear Regression</a:t>
-            </a:r>
-          </a:p>
-        </p:txBody>
-      </p:sp>
-      <p:sp>
-        <p:nvSpPr>
-          <p:cNvPr id="5" name="TextBox 4"/>
-          <p:cNvSpPr txBox="1"/>
-          <p:nvPr/>
-        </p:nvSpPr>
-        <p:spPr>
-          <a:xfrm>
-            <a:off x="457200" y="1295400"/>
-            <a:ext cx="8915400" cy="5478423"/>
-          </a:xfrm>
-          <a:prstGeom prst="rect">
-            <a:avLst/>
-          </a:prstGeom>
-          <a:noFill/>
-        </p:spPr>
-        <p:txBody>
-          <a:bodyPr wrap="square" rtlCol="0">
-            <a:spAutoFit/>
-          </a:bodyPr>
+              <a:t>NLTK</a:t>
+            </a:r>
+          </a:p>
+        </p:txBody>
+      </p:sp>
+      <p:sp>
+        <p:nvSpPr>
+          <p:cNvPr id="3" name="Content Placeholder 2"/>
+          <p:cNvSpPr>
+            <a:spLocks noGrp="1"/>
+          </p:cNvSpPr>
+          <p:nvPr>
+            <p:ph idx="1"/>
+          </p:nvPr>
+        </p:nvSpPr>
+        <p:spPr/>
+        <p:txBody>
+          <a:bodyPr/>
           <a:lstStyle/>
           <a:p>
             <a:r>
-              <a:rPr lang="en-CA" sz="1400" b="1" dirty="0">
-                <a:solidFill>
-                  <a:srgbClr val="007020"/>
-                </a:solidFill>
-                <a:effectLst/>
-                <a:latin typeface="Courier New" pitchFamily="49" charset="0"/>
-                <a:cs typeface="Courier New" pitchFamily="49" charset="0"/>
-              </a:rPr>
-              <a:t>import</a:t>
-            </a:r>
-            <a:r>
-              <a:rPr lang="en-CA" sz="1400" dirty="0">
-                <a:solidFill>
-                  <a:srgbClr val="222222"/>
-                </a:solidFill>
-                <a:effectLst/>
-                <a:latin typeface="Courier New" pitchFamily="49" charset="0"/>
-                <a:cs typeface="Courier New" pitchFamily="49" charset="0"/>
-              </a:rPr>
-              <a:t> </a:t>
-            </a:r>
-            <a:r>
-              <a:rPr lang="en-CA" sz="1400" b="1" dirty="0" err="1">
-                <a:solidFill>
-                  <a:srgbClr val="0E84B5"/>
-                </a:solidFill>
-                <a:effectLst/>
-                <a:latin typeface="Courier New" pitchFamily="49" charset="0"/>
-                <a:cs typeface="Courier New" pitchFamily="49" charset="0"/>
-              </a:rPr>
-              <a:t>numpy</a:t>
-            </a:r>
-            <a:r>
-              <a:rPr lang="en-CA" sz="1400" dirty="0">
-                <a:solidFill>
-                  <a:srgbClr val="222222"/>
-                </a:solidFill>
-                <a:effectLst/>
-                <a:latin typeface="Courier New" pitchFamily="49" charset="0"/>
-                <a:cs typeface="Courier New" pitchFamily="49" charset="0"/>
-              </a:rPr>
-              <a:t> </a:t>
-            </a:r>
-            <a:r>
-              <a:rPr lang="en-CA" sz="1400" b="1" dirty="0">
-                <a:solidFill>
-                  <a:srgbClr val="007020"/>
-                </a:solidFill>
-                <a:effectLst/>
-                <a:latin typeface="Courier New" pitchFamily="49" charset="0"/>
-                <a:cs typeface="Courier New" pitchFamily="49" charset="0"/>
-              </a:rPr>
-              <a:t>as</a:t>
-            </a:r>
-            <a:r>
-              <a:rPr lang="en-CA" sz="1400" dirty="0">
-                <a:solidFill>
-                  <a:srgbClr val="222222"/>
-                </a:solidFill>
-                <a:effectLst/>
-                <a:latin typeface="Courier New" pitchFamily="49" charset="0"/>
-                <a:cs typeface="Courier New" pitchFamily="49" charset="0"/>
-              </a:rPr>
-              <a:t> </a:t>
-            </a:r>
-            <a:r>
-              <a:rPr lang="en-CA" sz="1400" b="1" dirty="0" err="1">
-                <a:solidFill>
-                  <a:srgbClr val="0E84B5"/>
-                </a:solidFill>
-                <a:effectLst/>
-                <a:latin typeface="Courier New" pitchFamily="49" charset="0"/>
-                <a:cs typeface="Courier New" pitchFamily="49" charset="0"/>
-              </a:rPr>
-              <a:t>np</a:t>
-            </a:r>
-            <a:endParaRPr lang="en-CA" sz="1400" b="1" dirty="0">
-              <a:solidFill>
-                <a:srgbClr val="0E84B5"/>
-              </a:solidFill>
-              <a:effectLst/>
-              <a:latin typeface="Courier New" pitchFamily="49" charset="0"/>
-              <a:cs typeface="Courier New" pitchFamily="49" charset="0"/>
-            </a:endParaRPr>
-          </a:p>
-          <a:p>
-            <a:r>
-              <a:rPr lang="en-CA" sz="1400" b="1" dirty="0">
-                <a:solidFill>
-                  <a:srgbClr val="007020"/>
-                </a:solidFill>
-                <a:effectLst/>
-                <a:latin typeface="Courier New" pitchFamily="49" charset="0"/>
-                <a:cs typeface="Courier New" pitchFamily="49" charset="0"/>
-              </a:rPr>
-              <a:t>from</a:t>
-            </a:r>
-            <a:r>
-              <a:rPr lang="en-CA" sz="1400" dirty="0">
-                <a:solidFill>
-                  <a:srgbClr val="222222"/>
-                </a:solidFill>
-                <a:effectLst/>
-                <a:latin typeface="Courier New" pitchFamily="49" charset="0"/>
-                <a:cs typeface="Courier New" pitchFamily="49" charset="0"/>
-              </a:rPr>
-              <a:t> </a:t>
-            </a:r>
-            <a:r>
-              <a:rPr lang="en-CA" sz="1400" b="1" dirty="0" err="1">
-                <a:solidFill>
-                  <a:srgbClr val="0E84B5"/>
-                </a:solidFill>
-                <a:effectLst/>
-                <a:latin typeface="Courier New" pitchFamily="49" charset="0"/>
-                <a:cs typeface="Courier New" pitchFamily="49" charset="0"/>
-              </a:rPr>
-              <a:t>sklearn</a:t>
-            </a:r>
-            <a:r>
-              <a:rPr lang="en-CA" sz="1400" dirty="0">
-                <a:solidFill>
-                  <a:srgbClr val="222222"/>
-                </a:solidFill>
-                <a:effectLst/>
-                <a:latin typeface="Courier New" pitchFamily="49" charset="0"/>
-                <a:cs typeface="Courier New" pitchFamily="49" charset="0"/>
-              </a:rPr>
-              <a:t> </a:t>
-            </a:r>
-            <a:r>
-              <a:rPr lang="en-CA" sz="1400" b="1" dirty="0">
-                <a:solidFill>
-                  <a:srgbClr val="007020"/>
-                </a:solidFill>
-                <a:effectLst/>
-                <a:latin typeface="Courier New" pitchFamily="49" charset="0"/>
-                <a:cs typeface="Courier New" pitchFamily="49" charset="0"/>
-              </a:rPr>
-              <a:t>import</a:t>
-            </a:r>
-            <a:r>
-              <a:rPr lang="en-CA" sz="1400" dirty="0">
-                <a:solidFill>
-                  <a:srgbClr val="222222"/>
-                </a:solidFill>
-                <a:effectLst/>
-                <a:latin typeface="Courier New" pitchFamily="49" charset="0"/>
-                <a:cs typeface="Courier New" pitchFamily="49" charset="0"/>
-              </a:rPr>
-              <a:t> datasets, </a:t>
-            </a:r>
-            <a:r>
-              <a:rPr lang="en-CA" sz="1400" dirty="0" err="1">
-                <a:solidFill>
-                  <a:srgbClr val="222222"/>
-                </a:solidFill>
-                <a:effectLst/>
-                <a:latin typeface="Courier New" pitchFamily="49" charset="0"/>
-                <a:cs typeface="Courier New" pitchFamily="49" charset="0"/>
-              </a:rPr>
-              <a:t>linear_model</a:t>
-            </a:r>
-            <a:endParaRPr lang="en-CA" sz="1400" dirty="0">
-              <a:solidFill>
-                <a:srgbClr val="222222"/>
-              </a:solidFill>
-              <a:latin typeface="Courier New" pitchFamily="49" charset="0"/>
-              <a:cs typeface="Courier New" pitchFamily="49" charset="0"/>
-            </a:endParaRPr>
-          </a:p>
-          <a:p>
-            <a:r>
-              <a:rPr lang="en-CA" sz="1400" i="1" dirty="0">
-                <a:solidFill>
-                  <a:srgbClr val="408090"/>
-                </a:solidFill>
-                <a:effectLst/>
-                <a:latin typeface="Courier New" pitchFamily="49" charset="0"/>
-                <a:cs typeface="Courier New" pitchFamily="49" charset="0"/>
-              </a:rPr>
-              <a:t># Load the diabetes dataset</a:t>
-            </a:r>
-          </a:p>
-          <a:p>
-            <a:r>
-              <a:rPr lang="en-CA" sz="1400" dirty="0">
-                <a:solidFill>
-                  <a:srgbClr val="222222"/>
-                </a:solidFill>
-                <a:effectLst/>
-                <a:latin typeface="Courier New" pitchFamily="49" charset="0"/>
-                <a:cs typeface="Courier New" pitchFamily="49" charset="0"/>
-              </a:rPr>
-              <a:t>diabetes </a:t>
-            </a:r>
-            <a:r>
-              <a:rPr lang="en-CA" sz="1400" dirty="0">
-                <a:solidFill>
-                  <a:srgbClr val="666666"/>
-                </a:solidFill>
-                <a:effectLst/>
-                <a:latin typeface="Courier New" pitchFamily="49" charset="0"/>
-                <a:cs typeface="Courier New" pitchFamily="49" charset="0"/>
-              </a:rPr>
-              <a:t>=</a:t>
-            </a:r>
-            <a:r>
-              <a:rPr lang="en-CA" sz="1400" dirty="0">
-                <a:solidFill>
-                  <a:srgbClr val="222222"/>
-                </a:solidFill>
-                <a:effectLst/>
-                <a:latin typeface="Courier New" pitchFamily="49" charset="0"/>
-                <a:cs typeface="Courier New" pitchFamily="49" charset="0"/>
-              </a:rPr>
-              <a:t> </a:t>
-            </a:r>
-            <a:r>
-              <a:rPr lang="en-CA" sz="1400" u="sng" dirty="0" err="1">
-                <a:solidFill>
-                  <a:srgbClr val="2878A2"/>
-                </a:solidFill>
-                <a:effectLst/>
-                <a:latin typeface="Courier New" pitchFamily="49" charset="0"/>
-                <a:cs typeface="Courier New" pitchFamily="49" charset="0"/>
-                <a:hlinkClick r:id="rId2"/>
-              </a:rPr>
-              <a:t>datasets</a:t>
-            </a:r>
-            <a:r>
-              <a:rPr lang="en-CA" sz="1400" u="sng" dirty="0" err="1">
-                <a:solidFill>
-                  <a:srgbClr val="666666"/>
-                </a:solidFill>
-                <a:effectLst/>
-                <a:latin typeface="Courier New" pitchFamily="49" charset="0"/>
-                <a:cs typeface="Courier New" pitchFamily="49" charset="0"/>
-                <a:hlinkClick r:id="rId2"/>
-              </a:rPr>
-              <a:t>.</a:t>
-            </a:r>
-            <a:r>
-              <a:rPr lang="en-CA" sz="1400" u="sng" dirty="0" err="1">
-                <a:solidFill>
-                  <a:srgbClr val="2878A2"/>
-                </a:solidFill>
-                <a:effectLst/>
-                <a:latin typeface="Courier New" pitchFamily="49" charset="0"/>
-                <a:cs typeface="Courier New" pitchFamily="49" charset="0"/>
-                <a:hlinkClick r:id="rId2"/>
-              </a:rPr>
-              <a:t>load_diabetes</a:t>
-            </a:r>
-            <a:r>
-              <a:rPr lang="en-CA" sz="1400" dirty="0">
-                <a:solidFill>
-                  <a:srgbClr val="222222"/>
-                </a:solidFill>
-                <a:effectLst/>
-                <a:latin typeface="Courier New" pitchFamily="49" charset="0"/>
-                <a:cs typeface="Courier New" pitchFamily="49" charset="0"/>
-              </a:rPr>
-              <a:t>()</a:t>
-            </a:r>
-            <a:endParaRPr lang="en-CA" sz="1400" i="1" dirty="0">
-              <a:solidFill>
-                <a:srgbClr val="408090"/>
-              </a:solidFill>
-              <a:latin typeface="Courier New" pitchFamily="49" charset="0"/>
-              <a:cs typeface="Courier New" pitchFamily="49" charset="0"/>
-            </a:endParaRPr>
-          </a:p>
-          <a:p>
-            <a:endParaRPr lang="en-CA" sz="1400" i="1" dirty="0">
-              <a:solidFill>
-                <a:srgbClr val="408090"/>
-              </a:solidFill>
-              <a:effectLst/>
-              <a:latin typeface="Courier New" pitchFamily="49" charset="0"/>
-              <a:cs typeface="Courier New" pitchFamily="49" charset="0"/>
-            </a:endParaRPr>
-          </a:p>
-          <a:p>
-            <a:r>
-              <a:rPr lang="en-CA" sz="1400" i="1" dirty="0">
-                <a:solidFill>
-                  <a:srgbClr val="408090"/>
-                </a:solidFill>
-                <a:effectLst/>
-                <a:latin typeface="Courier New" pitchFamily="49" charset="0"/>
-                <a:cs typeface="Courier New" pitchFamily="49" charset="0"/>
-              </a:rPr>
-              <a:t># Use only one feature</a:t>
-            </a:r>
-          </a:p>
-          <a:p>
-            <a:r>
-              <a:rPr lang="en-CA" sz="1400" dirty="0" err="1">
-                <a:solidFill>
-                  <a:srgbClr val="222222"/>
-                </a:solidFill>
-                <a:effectLst/>
-                <a:latin typeface="Courier New" pitchFamily="49" charset="0"/>
-                <a:cs typeface="Courier New" pitchFamily="49" charset="0"/>
-              </a:rPr>
-              <a:t>diabetes_X</a:t>
-            </a:r>
-            <a:r>
-              <a:rPr lang="en-CA" sz="1400" dirty="0">
-                <a:solidFill>
-                  <a:srgbClr val="222222"/>
-                </a:solidFill>
-                <a:effectLst/>
-                <a:latin typeface="Courier New" pitchFamily="49" charset="0"/>
-                <a:cs typeface="Courier New" pitchFamily="49" charset="0"/>
-              </a:rPr>
-              <a:t> </a:t>
-            </a:r>
-            <a:r>
-              <a:rPr lang="en-CA" sz="1400" dirty="0">
-                <a:solidFill>
-                  <a:srgbClr val="666666"/>
-                </a:solidFill>
-                <a:effectLst/>
-                <a:latin typeface="Courier New" pitchFamily="49" charset="0"/>
-                <a:cs typeface="Courier New" pitchFamily="49" charset="0"/>
-              </a:rPr>
-              <a:t>=</a:t>
-            </a:r>
-            <a:r>
-              <a:rPr lang="en-CA" sz="1400" dirty="0">
-                <a:solidFill>
-                  <a:srgbClr val="222222"/>
-                </a:solidFill>
-                <a:effectLst/>
-                <a:latin typeface="Courier New" pitchFamily="49" charset="0"/>
-                <a:cs typeface="Courier New" pitchFamily="49" charset="0"/>
-              </a:rPr>
-              <a:t> </a:t>
-            </a:r>
-            <a:r>
-              <a:rPr lang="en-CA" sz="1400" dirty="0" err="1">
-                <a:solidFill>
-                  <a:srgbClr val="222222"/>
-                </a:solidFill>
-                <a:effectLst/>
-                <a:latin typeface="Courier New" pitchFamily="49" charset="0"/>
-                <a:cs typeface="Courier New" pitchFamily="49" charset="0"/>
-              </a:rPr>
-              <a:t>diabetes</a:t>
-            </a:r>
-            <a:r>
-              <a:rPr lang="en-CA" sz="1400" dirty="0" err="1">
-                <a:solidFill>
-                  <a:srgbClr val="666666"/>
-                </a:solidFill>
-                <a:effectLst/>
-                <a:latin typeface="Courier New" pitchFamily="49" charset="0"/>
-                <a:cs typeface="Courier New" pitchFamily="49" charset="0"/>
-              </a:rPr>
-              <a:t>.</a:t>
-            </a:r>
-            <a:r>
-              <a:rPr lang="en-CA" sz="1400" dirty="0" err="1">
-                <a:solidFill>
-                  <a:srgbClr val="222222"/>
-                </a:solidFill>
-                <a:effectLst/>
-                <a:latin typeface="Courier New" pitchFamily="49" charset="0"/>
-                <a:cs typeface="Courier New" pitchFamily="49" charset="0"/>
-              </a:rPr>
-              <a:t>data</a:t>
-            </a:r>
-            <a:r>
-              <a:rPr lang="en-CA" sz="1400" dirty="0">
-                <a:solidFill>
-                  <a:srgbClr val="222222"/>
-                </a:solidFill>
-                <a:effectLst/>
-                <a:latin typeface="Courier New" pitchFamily="49" charset="0"/>
-                <a:cs typeface="Courier New" pitchFamily="49" charset="0"/>
-              </a:rPr>
-              <a:t>[:, </a:t>
-            </a:r>
-            <a:r>
-              <a:rPr lang="en-CA" sz="1400" u="sng" dirty="0" err="1">
-                <a:solidFill>
-                  <a:srgbClr val="2878A2"/>
-                </a:solidFill>
-                <a:effectLst/>
-                <a:latin typeface="Courier New" pitchFamily="49" charset="0"/>
-                <a:cs typeface="Courier New" pitchFamily="49" charset="0"/>
-                <a:hlinkClick r:id="rId3"/>
-              </a:rPr>
-              <a:t>np</a:t>
-            </a:r>
-            <a:r>
-              <a:rPr lang="en-CA" sz="1400" u="sng" dirty="0" err="1">
-                <a:solidFill>
-                  <a:srgbClr val="666666"/>
-                </a:solidFill>
-                <a:effectLst/>
-                <a:latin typeface="Courier New" pitchFamily="49" charset="0"/>
-                <a:cs typeface="Courier New" pitchFamily="49" charset="0"/>
-                <a:hlinkClick r:id="rId3"/>
-              </a:rPr>
-              <a:t>.</a:t>
-            </a:r>
-            <a:r>
-              <a:rPr lang="en-CA" sz="1400" u="sng" dirty="0" err="1">
-                <a:solidFill>
-                  <a:srgbClr val="2878A2"/>
-                </a:solidFill>
-                <a:effectLst/>
-                <a:latin typeface="Courier New" pitchFamily="49" charset="0"/>
-                <a:cs typeface="Courier New" pitchFamily="49" charset="0"/>
-                <a:hlinkClick r:id="rId3"/>
-              </a:rPr>
-              <a:t>newaxis</a:t>
-            </a:r>
-            <a:r>
-              <a:rPr lang="en-CA" sz="1400" dirty="0">
-                <a:solidFill>
-                  <a:srgbClr val="222222"/>
-                </a:solidFill>
-                <a:effectLst/>
-                <a:latin typeface="Courier New" pitchFamily="49" charset="0"/>
-                <a:cs typeface="Courier New" pitchFamily="49" charset="0"/>
-              </a:rPr>
-              <a:t>, </a:t>
-            </a:r>
-            <a:r>
-              <a:rPr lang="en-CA" sz="1400" dirty="0">
-                <a:solidFill>
-                  <a:srgbClr val="208050"/>
-                </a:solidFill>
-                <a:effectLst/>
-                <a:latin typeface="Courier New" pitchFamily="49" charset="0"/>
-                <a:cs typeface="Courier New" pitchFamily="49" charset="0"/>
-              </a:rPr>
-              <a:t>2</a:t>
-            </a:r>
-            <a:r>
-              <a:rPr lang="en-CA" sz="1400" dirty="0">
-                <a:solidFill>
-                  <a:srgbClr val="222222"/>
-                </a:solidFill>
-                <a:effectLst/>
-                <a:latin typeface="Courier New" pitchFamily="49" charset="0"/>
-                <a:cs typeface="Courier New" pitchFamily="49" charset="0"/>
-              </a:rPr>
-              <a:t>]</a:t>
-            </a:r>
-          </a:p>
-          <a:p>
-            <a:endParaRPr lang="en-CA" sz="1400" i="1" dirty="0">
-              <a:solidFill>
-                <a:srgbClr val="222222"/>
-              </a:solidFill>
-              <a:latin typeface="Courier New" pitchFamily="49" charset="0"/>
-              <a:cs typeface="Courier New" pitchFamily="49" charset="0"/>
-            </a:endParaRPr>
-          </a:p>
-          <a:p>
-            <a:r>
-              <a:rPr lang="en-CA" sz="1400" i="1" dirty="0">
-                <a:solidFill>
-                  <a:srgbClr val="408090"/>
-                </a:solidFill>
-                <a:effectLst/>
-                <a:latin typeface="Courier New" pitchFamily="49" charset="0"/>
-                <a:cs typeface="Courier New" pitchFamily="49" charset="0"/>
-              </a:rPr>
-              <a:t># Split the data into training/testing sets</a:t>
-            </a:r>
-          </a:p>
-          <a:p>
-            <a:r>
-              <a:rPr lang="fr-FR" sz="1400" dirty="0" err="1">
-                <a:solidFill>
-                  <a:srgbClr val="222222"/>
-                </a:solidFill>
-                <a:effectLst/>
-                <a:latin typeface="Courier New" pitchFamily="49" charset="0"/>
-                <a:cs typeface="Courier New" pitchFamily="49" charset="0"/>
-              </a:rPr>
-              <a:t>diabetes_X_train</a:t>
-            </a:r>
-            <a:r>
-              <a:rPr lang="fr-FR" sz="1400" dirty="0">
-                <a:solidFill>
-                  <a:srgbClr val="222222"/>
-                </a:solidFill>
-                <a:effectLst/>
-                <a:latin typeface="Courier New" pitchFamily="49" charset="0"/>
-                <a:cs typeface="Courier New" pitchFamily="49" charset="0"/>
-              </a:rPr>
-              <a:t> </a:t>
-            </a:r>
-            <a:r>
-              <a:rPr lang="fr-FR" sz="1400" dirty="0">
-                <a:solidFill>
-                  <a:srgbClr val="666666"/>
-                </a:solidFill>
-                <a:effectLst/>
-                <a:latin typeface="Courier New" pitchFamily="49" charset="0"/>
-                <a:cs typeface="Courier New" pitchFamily="49" charset="0"/>
-              </a:rPr>
-              <a:t>=</a:t>
-            </a:r>
-            <a:r>
-              <a:rPr lang="fr-FR" sz="1400" dirty="0">
-                <a:solidFill>
-                  <a:srgbClr val="222222"/>
-                </a:solidFill>
-                <a:effectLst/>
-                <a:latin typeface="Courier New" pitchFamily="49" charset="0"/>
-                <a:cs typeface="Courier New" pitchFamily="49" charset="0"/>
-              </a:rPr>
-              <a:t> </a:t>
-            </a:r>
-            <a:r>
-              <a:rPr lang="fr-FR" sz="1400" dirty="0" err="1">
-                <a:solidFill>
-                  <a:srgbClr val="222222"/>
-                </a:solidFill>
-                <a:effectLst/>
-                <a:latin typeface="Courier New" pitchFamily="49" charset="0"/>
-                <a:cs typeface="Courier New" pitchFamily="49" charset="0"/>
-              </a:rPr>
-              <a:t>diabetes_X</a:t>
-            </a:r>
-            <a:r>
-              <a:rPr lang="fr-FR" sz="1400" dirty="0">
-                <a:solidFill>
-                  <a:srgbClr val="222222"/>
-                </a:solidFill>
-                <a:effectLst/>
-                <a:latin typeface="Courier New" pitchFamily="49" charset="0"/>
-                <a:cs typeface="Courier New" pitchFamily="49" charset="0"/>
-              </a:rPr>
-              <a:t>[:</a:t>
-            </a:r>
-            <a:r>
-              <a:rPr lang="fr-FR" sz="1400" dirty="0">
-                <a:solidFill>
-                  <a:srgbClr val="666666"/>
-                </a:solidFill>
-                <a:effectLst/>
-                <a:latin typeface="Courier New" pitchFamily="49" charset="0"/>
-                <a:cs typeface="Courier New" pitchFamily="49" charset="0"/>
-              </a:rPr>
-              <a:t>-</a:t>
-            </a:r>
-            <a:r>
-              <a:rPr lang="fr-FR" sz="1400" dirty="0">
-                <a:solidFill>
-                  <a:srgbClr val="208050"/>
-                </a:solidFill>
-                <a:effectLst/>
-                <a:latin typeface="Courier New" pitchFamily="49" charset="0"/>
-                <a:cs typeface="Courier New" pitchFamily="49" charset="0"/>
-              </a:rPr>
-              <a:t>20</a:t>
-            </a:r>
-            <a:r>
-              <a:rPr lang="fr-FR" sz="1400" dirty="0">
-                <a:solidFill>
-                  <a:srgbClr val="222222"/>
-                </a:solidFill>
-                <a:effectLst/>
-                <a:latin typeface="Courier New" pitchFamily="49" charset="0"/>
-                <a:cs typeface="Courier New" pitchFamily="49" charset="0"/>
-              </a:rPr>
-              <a:t>]</a:t>
-            </a:r>
-          </a:p>
-          <a:p>
-            <a:r>
-              <a:rPr lang="en-CA" sz="1400" dirty="0" err="1">
-                <a:solidFill>
-                  <a:srgbClr val="222222"/>
-                </a:solidFill>
-                <a:effectLst/>
-                <a:latin typeface="Courier New" pitchFamily="49" charset="0"/>
-                <a:cs typeface="Courier New" pitchFamily="49" charset="0"/>
-              </a:rPr>
-              <a:t>diabetes_X_test</a:t>
-            </a:r>
-            <a:r>
-              <a:rPr lang="en-CA" sz="1400" dirty="0">
-                <a:solidFill>
-                  <a:srgbClr val="222222"/>
-                </a:solidFill>
-                <a:effectLst/>
-                <a:latin typeface="Courier New" pitchFamily="49" charset="0"/>
-                <a:cs typeface="Courier New" pitchFamily="49" charset="0"/>
-              </a:rPr>
-              <a:t> </a:t>
-            </a:r>
-            <a:r>
-              <a:rPr lang="en-CA" sz="1400" dirty="0">
-                <a:solidFill>
-                  <a:srgbClr val="666666"/>
-                </a:solidFill>
-                <a:effectLst/>
-                <a:latin typeface="Courier New" pitchFamily="49" charset="0"/>
-                <a:cs typeface="Courier New" pitchFamily="49" charset="0"/>
-              </a:rPr>
-              <a:t>=</a:t>
-            </a:r>
-            <a:r>
-              <a:rPr lang="en-CA" sz="1400" dirty="0">
-                <a:solidFill>
-                  <a:srgbClr val="222222"/>
-                </a:solidFill>
-                <a:effectLst/>
-                <a:latin typeface="Courier New" pitchFamily="49" charset="0"/>
-                <a:cs typeface="Courier New" pitchFamily="49" charset="0"/>
-              </a:rPr>
-              <a:t> </a:t>
-            </a:r>
-            <a:r>
-              <a:rPr lang="en-CA" sz="1400" dirty="0" err="1">
-                <a:solidFill>
-                  <a:srgbClr val="222222"/>
-                </a:solidFill>
-                <a:effectLst/>
-                <a:latin typeface="Courier New" pitchFamily="49" charset="0"/>
-                <a:cs typeface="Courier New" pitchFamily="49" charset="0"/>
-              </a:rPr>
-              <a:t>diabetes_X</a:t>
-            </a:r>
-            <a:r>
-              <a:rPr lang="en-CA" sz="1400" dirty="0">
-                <a:solidFill>
-                  <a:srgbClr val="222222"/>
-                </a:solidFill>
-                <a:effectLst/>
-                <a:latin typeface="Courier New" pitchFamily="49" charset="0"/>
-                <a:cs typeface="Courier New" pitchFamily="49" charset="0"/>
-              </a:rPr>
-              <a:t>[</a:t>
-            </a:r>
-            <a:r>
-              <a:rPr lang="en-CA" sz="1400" dirty="0">
-                <a:solidFill>
-                  <a:srgbClr val="666666"/>
-                </a:solidFill>
-                <a:effectLst/>
-                <a:latin typeface="Courier New" pitchFamily="49" charset="0"/>
-                <a:cs typeface="Courier New" pitchFamily="49" charset="0"/>
-              </a:rPr>
-              <a:t>-</a:t>
-            </a:r>
-            <a:r>
-              <a:rPr lang="en-CA" sz="1400" dirty="0">
-                <a:solidFill>
-                  <a:srgbClr val="208050"/>
-                </a:solidFill>
-                <a:effectLst/>
-                <a:latin typeface="Courier New" pitchFamily="49" charset="0"/>
-                <a:cs typeface="Courier New" pitchFamily="49" charset="0"/>
-              </a:rPr>
-              <a:t>20</a:t>
-            </a:r>
-            <a:r>
-              <a:rPr lang="en-CA" sz="1400" dirty="0">
-                <a:solidFill>
-                  <a:srgbClr val="222222"/>
-                </a:solidFill>
-                <a:effectLst/>
-                <a:latin typeface="Courier New" pitchFamily="49" charset="0"/>
-                <a:cs typeface="Courier New" pitchFamily="49" charset="0"/>
-              </a:rPr>
-              <a:t>:]</a:t>
-            </a:r>
-          </a:p>
-          <a:p>
-            <a:endParaRPr lang="en-CA" sz="1400" dirty="0">
-              <a:solidFill>
-                <a:srgbClr val="222222"/>
-              </a:solidFill>
-              <a:effectLst/>
-              <a:latin typeface="Courier New" pitchFamily="49" charset="0"/>
-              <a:cs typeface="Courier New" pitchFamily="49" charset="0"/>
-            </a:endParaRPr>
-          </a:p>
-          <a:p>
-            <a:r>
-              <a:rPr lang="en-CA" sz="1400" i="1" dirty="0">
-                <a:solidFill>
-                  <a:srgbClr val="408090"/>
-                </a:solidFill>
-                <a:effectLst/>
-                <a:latin typeface="Courier New" pitchFamily="49" charset="0"/>
-                <a:cs typeface="Courier New" pitchFamily="49" charset="0"/>
-              </a:rPr>
-              <a:t># Split the targets into training/testing sets</a:t>
-            </a:r>
-          </a:p>
-          <a:p>
-            <a:r>
-              <a:rPr lang="fr-FR" sz="1400" dirty="0" err="1">
-                <a:solidFill>
-                  <a:srgbClr val="222222"/>
-                </a:solidFill>
-                <a:effectLst/>
-                <a:latin typeface="Courier New" pitchFamily="49" charset="0"/>
-                <a:cs typeface="Courier New" pitchFamily="49" charset="0"/>
-              </a:rPr>
-              <a:t>diabetes_y_train</a:t>
-            </a:r>
-            <a:r>
-              <a:rPr lang="fr-FR" sz="1400" dirty="0">
-                <a:solidFill>
-                  <a:srgbClr val="222222"/>
-                </a:solidFill>
-                <a:effectLst/>
-                <a:latin typeface="Courier New" pitchFamily="49" charset="0"/>
-                <a:cs typeface="Courier New" pitchFamily="49" charset="0"/>
-              </a:rPr>
-              <a:t> </a:t>
-            </a:r>
-            <a:r>
-              <a:rPr lang="fr-FR" sz="1400" dirty="0">
-                <a:solidFill>
-                  <a:srgbClr val="666666"/>
-                </a:solidFill>
-                <a:effectLst/>
-                <a:latin typeface="Courier New" pitchFamily="49" charset="0"/>
-                <a:cs typeface="Courier New" pitchFamily="49" charset="0"/>
-              </a:rPr>
-              <a:t>=</a:t>
-            </a:r>
-            <a:r>
-              <a:rPr lang="fr-FR" sz="1400" dirty="0">
-                <a:solidFill>
-                  <a:srgbClr val="222222"/>
-                </a:solidFill>
-                <a:effectLst/>
-                <a:latin typeface="Courier New" pitchFamily="49" charset="0"/>
-                <a:cs typeface="Courier New" pitchFamily="49" charset="0"/>
-              </a:rPr>
-              <a:t> </a:t>
-            </a:r>
-            <a:r>
-              <a:rPr lang="fr-FR" sz="1400" dirty="0" err="1">
-                <a:solidFill>
-                  <a:srgbClr val="222222"/>
-                </a:solidFill>
-                <a:effectLst/>
-                <a:latin typeface="Courier New" pitchFamily="49" charset="0"/>
-                <a:cs typeface="Courier New" pitchFamily="49" charset="0"/>
-              </a:rPr>
-              <a:t>diabetes</a:t>
-            </a:r>
-            <a:r>
-              <a:rPr lang="fr-FR" sz="1400" dirty="0" err="1">
-                <a:solidFill>
-                  <a:srgbClr val="666666"/>
-                </a:solidFill>
-                <a:effectLst/>
-                <a:latin typeface="Courier New" pitchFamily="49" charset="0"/>
-                <a:cs typeface="Courier New" pitchFamily="49" charset="0"/>
-              </a:rPr>
-              <a:t>.</a:t>
-            </a:r>
-            <a:r>
-              <a:rPr lang="fr-FR" sz="1400" dirty="0" err="1">
-                <a:solidFill>
-                  <a:srgbClr val="222222"/>
-                </a:solidFill>
-                <a:effectLst/>
-                <a:latin typeface="Courier New" pitchFamily="49" charset="0"/>
-                <a:cs typeface="Courier New" pitchFamily="49" charset="0"/>
-              </a:rPr>
-              <a:t>target</a:t>
-            </a:r>
-            <a:r>
-              <a:rPr lang="fr-FR" sz="1400" dirty="0">
-                <a:solidFill>
-                  <a:srgbClr val="222222"/>
-                </a:solidFill>
-                <a:effectLst/>
-                <a:latin typeface="Courier New" pitchFamily="49" charset="0"/>
-                <a:cs typeface="Courier New" pitchFamily="49" charset="0"/>
-              </a:rPr>
-              <a:t>[:</a:t>
-            </a:r>
-            <a:r>
-              <a:rPr lang="fr-FR" sz="1400" dirty="0">
-                <a:solidFill>
-                  <a:srgbClr val="666666"/>
-                </a:solidFill>
-                <a:effectLst/>
-                <a:latin typeface="Courier New" pitchFamily="49" charset="0"/>
-                <a:cs typeface="Courier New" pitchFamily="49" charset="0"/>
-              </a:rPr>
-              <a:t>-</a:t>
-            </a:r>
-            <a:r>
-              <a:rPr lang="fr-FR" sz="1400" dirty="0">
-                <a:solidFill>
-                  <a:srgbClr val="208050"/>
-                </a:solidFill>
-                <a:effectLst/>
-                <a:latin typeface="Courier New" pitchFamily="49" charset="0"/>
-                <a:cs typeface="Courier New" pitchFamily="49" charset="0"/>
-              </a:rPr>
-              <a:t>20</a:t>
-            </a:r>
-            <a:r>
-              <a:rPr lang="fr-FR" sz="1400" dirty="0">
-                <a:solidFill>
-                  <a:srgbClr val="222222"/>
-                </a:solidFill>
-                <a:effectLst/>
-                <a:latin typeface="Courier New" pitchFamily="49" charset="0"/>
-                <a:cs typeface="Courier New" pitchFamily="49" charset="0"/>
-              </a:rPr>
-              <a:t>]</a:t>
-            </a:r>
-          </a:p>
-          <a:p>
-            <a:r>
-              <a:rPr lang="en-CA" sz="1400" dirty="0" err="1">
-                <a:solidFill>
-                  <a:srgbClr val="222222"/>
-                </a:solidFill>
-                <a:effectLst/>
-                <a:latin typeface="Courier New" pitchFamily="49" charset="0"/>
-                <a:cs typeface="Courier New" pitchFamily="49" charset="0"/>
-              </a:rPr>
-              <a:t>diabetes_y_test</a:t>
-            </a:r>
-            <a:r>
-              <a:rPr lang="en-CA" sz="1400" dirty="0">
-                <a:solidFill>
-                  <a:srgbClr val="222222"/>
-                </a:solidFill>
-                <a:effectLst/>
-                <a:latin typeface="Courier New" pitchFamily="49" charset="0"/>
-                <a:cs typeface="Courier New" pitchFamily="49" charset="0"/>
-              </a:rPr>
-              <a:t> </a:t>
-            </a:r>
-            <a:r>
-              <a:rPr lang="en-CA" sz="1400" dirty="0">
-                <a:solidFill>
-                  <a:srgbClr val="666666"/>
-                </a:solidFill>
-                <a:effectLst/>
-                <a:latin typeface="Courier New" pitchFamily="49" charset="0"/>
-                <a:cs typeface="Courier New" pitchFamily="49" charset="0"/>
-              </a:rPr>
-              <a:t>=</a:t>
-            </a:r>
-            <a:r>
-              <a:rPr lang="en-CA" sz="1400" dirty="0">
-                <a:solidFill>
-                  <a:srgbClr val="222222"/>
-                </a:solidFill>
-                <a:effectLst/>
-                <a:latin typeface="Courier New" pitchFamily="49" charset="0"/>
-                <a:cs typeface="Courier New" pitchFamily="49" charset="0"/>
-              </a:rPr>
-              <a:t> </a:t>
-            </a:r>
-            <a:r>
-              <a:rPr lang="en-CA" sz="1400" dirty="0" err="1">
-                <a:solidFill>
-                  <a:srgbClr val="222222"/>
-                </a:solidFill>
-                <a:effectLst/>
-                <a:latin typeface="Courier New" pitchFamily="49" charset="0"/>
-                <a:cs typeface="Courier New" pitchFamily="49" charset="0"/>
-              </a:rPr>
-              <a:t>diabetes</a:t>
-            </a:r>
-            <a:r>
-              <a:rPr lang="en-CA" sz="1400" dirty="0" err="1">
-                <a:solidFill>
-                  <a:srgbClr val="666666"/>
-                </a:solidFill>
-                <a:effectLst/>
-                <a:latin typeface="Courier New" pitchFamily="49" charset="0"/>
-                <a:cs typeface="Courier New" pitchFamily="49" charset="0"/>
-              </a:rPr>
-              <a:t>.</a:t>
-            </a:r>
-            <a:r>
-              <a:rPr lang="en-CA" sz="1400" dirty="0" err="1">
-                <a:solidFill>
-                  <a:srgbClr val="222222"/>
-                </a:solidFill>
-                <a:effectLst/>
-                <a:latin typeface="Courier New" pitchFamily="49" charset="0"/>
-                <a:cs typeface="Courier New" pitchFamily="49" charset="0"/>
-              </a:rPr>
-              <a:t>target</a:t>
-            </a:r>
-            <a:r>
-              <a:rPr lang="en-CA" sz="1400" dirty="0">
-                <a:solidFill>
-                  <a:srgbClr val="222222"/>
-                </a:solidFill>
-                <a:effectLst/>
-                <a:latin typeface="Courier New" pitchFamily="49" charset="0"/>
-                <a:cs typeface="Courier New" pitchFamily="49" charset="0"/>
-              </a:rPr>
-              <a:t>[</a:t>
-            </a:r>
-            <a:r>
-              <a:rPr lang="en-CA" sz="1400" dirty="0">
-                <a:solidFill>
-                  <a:srgbClr val="666666"/>
-                </a:solidFill>
-                <a:effectLst/>
-                <a:latin typeface="Courier New" pitchFamily="49" charset="0"/>
-                <a:cs typeface="Courier New" pitchFamily="49" charset="0"/>
-              </a:rPr>
-              <a:t>-</a:t>
-            </a:r>
-            <a:r>
-              <a:rPr lang="en-CA" sz="1400" dirty="0">
-                <a:solidFill>
-                  <a:srgbClr val="208050"/>
-                </a:solidFill>
-                <a:effectLst/>
-                <a:latin typeface="Courier New" pitchFamily="49" charset="0"/>
-                <a:cs typeface="Courier New" pitchFamily="49" charset="0"/>
-              </a:rPr>
-              <a:t>20</a:t>
-            </a:r>
-            <a:r>
-              <a:rPr lang="en-CA" sz="1400" dirty="0">
-                <a:solidFill>
-                  <a:srgbClr val="222222"/>
-                </a:solidFill>
-                <a:effectLst/>
-                <a:latin typeface="Courier New" pitchFamily="49" charset="0"/>
-                <a:cs typeface="Courier New" pitchFamily="49" charset="0"/>
-              </a:rPr>
-              <a:t>:]</a:t>
-            </a:r>
-          </a:p>
-          <a:p>
-            <a:endParaRPr lang="en-CA" sz="1400" dirty="0">
-              <a:solidFill>
-                <a:srgbClr val="222222"/>
-              </a:solidFill>
-              <a:effectLst/>
-              <a:latin typeface="Courier New" pitchFamily="49" charset="0"/>
-              <a:cs typeface="Courier New" pitchFamily="49" charset="0"/>
-            </a:endParaRPr>
-          </a:p>
-          <a:p>
-            <a:r>
-              <a:rPr lang="en-CA" sz="1400" i="1" dirty="0">
-                <a:solidFill>
-                  <a:srgbClr val="408090"/>
-                </a:solidFill>
-                <a:effectLst/>
-                <a:latin typeface="Courier New" pitchFamily="49" charset="0"/>
-                <a:cs typeface="Courier New" pitchFamily="49" charset="0"/>
-              </a:rPr>
-              <a:t># Create linear regression object</a:t>
-            </a:r>
-          </a:p>
-          <a:p>
-            <a:r>
-              <a:rPr lang="en-CA" sz="1400" dirty="0" err="1">
-                <a:solidFill>
-                  <a:srgbClr val="222222"/>
-                </a:solidFill>
-                <a:effectLst/>
-                <a:latin typeface="Courier New" pitchFamily="49" charset="0"/>
-                <a:cs typeface="Courier New" pitchFamily="49" charset="0"/>
-              </a:rPr>
-              <a:t>regr</a:t>
-            </a:r>
-            <a:r>
-              <a:rPr lang="en-CA" sz="1400" dirty="0">
-                <a:solidFill>
-                  <a:srgbClr val="222222"/>
-                </a:solidFill>
-                <a:effectLst/>
-                <a:latin typeface="Courier New" pitchFamily="49" charset="0"/>
-                <a:cs typeface="Courier New" pitchFamily="49" charset="0"/>
-              </a:rPr>
-              <a:t> </a:t>
-            </a:r>
-            <a:r>
-              <a:rPr lang="en-CA" sz="1400" dirty="0">
-                <a:solidFill>
-                  <a:srgbClr val="666666"/>
-                </a:solidFill>
-                <a:effectLst/>
-                <a:latin typeface="Courier New" pitchFamily="49" charset="0"/>
-                <a:cs typeface="Courier New" pitchFamily="49" charset="0"/>
-              </a:rPr>
-              <a:t>=</a:t>
-            </a:r>
-            <a:r>
-              <a:rPr lang="en-CA" sz="1400" dirty="0">
-                <a:solidFill>
-                  <a:srgbClr val="222222"/>
-                </a:solidFill>
-                <a:effectLst/>
-                <a:latin typeface="Courier New" pitchFamily="49" charset="0"/>
-                <a:cs typeface="Courier New" pitchFamily="49" charset="0"/>
-              </a:rPr>
-              <a:t> </a:t>
-            </a:r>
-            <a:r>
-              <a:rPr lang="en-CA" sz="1400" dirty="0" err="1">
-                <a:solidFill>
-                  <a:srgbClr val="222222"/>
-                </a:solidFill>
-                <a:effectLst/>
-                <a:latin typeface="Courier New" pitchFamily="49" charset="0"/>
-                <a:cs typeface="Courier New" pitchFamily="49" charset="0"/>
-              </a:rPr>
-              <a:t>linear_model</a:t>
-            </a:r>
-            <a:r>
-              <a:rPr lang="en-CA" sz="1400" dirty="0" err="1">
-                <a:solidFill>
-                  <a:srgbClr val="666666"/>
-                </a:solidFill>
-                <a:effectLst/>
-                <a:latin typeface="Courier New" pitchFamily="49" charset="0"/>
-                <a:cs typeface="Courier New" pitchFamily="49" charset="0"/>
-              </a:rPr>
-              <a:t>.</a:t>
-            </a:r>
-            <a:r>
-              <a:rPr lang="en-CA" sz="1400" dirty="0" err="1">
-                <a:solidFill>
-                  <a:srgbClr val="222222"/>
-                </a:solidFill>
-                <a:effectLst/>
-                <a:latin typeface="Courier New" pitchFamily="49" charset="0"/>
-                <a:cs typeface="Courier New" pitchFamily="49" charset="0"/>
-              </a:rPr>
-              <a:t>LinearRegression</a:t>
-            </a:r>
-            <a:r>
-              <a:rPr lang="en-CA" sz="1400" dirty="0">
-                <a:solidFill>
-                  <a:srgbClr val="222222"/>
-                </a:solidFill>
-                <a:effectLst/>
-                <a:latin typeface="Courier New" pitchFamily="49" charset="0"/>
-                <a:cs typeface="Courier New" pitchFamily="49" charset="0"/>
-              </a:rPr>
-              <a:t>()</a:t>
-            </a:r>
-          </a:p>
-          <a:p>
-            <a:endParaRPr lang="en-CA" sz="1400" dirty="0">
-              <a:solidFill>
-                <a:srgbClr val="222222"/>
-              </a:solidFill>
-              <a:effectLst/>
-              <a:latin typeface="Courier New" pitchFamily="49" charset="0"/>
-              <a:cs typeface="Courier New" pitchFamily="49" charset="0"/>
-            </a:endParaRPr>
-          </a:p>
-          <a:p>
-            <a:r>
-              <a:rPr lang="en-CA" sz="1400" i="1" dirty="0">
-                <a:solidFill>
-                  <a:srgbClr val="408090"/>
-                </a:solidFill>
-                <a:effectLst/>
-                <a:latin typeface="Courier New" pitchFamily="49" charset="0"/>
-                <a:cs typeface="Courier New" pitchFamily="49" charset="0"/>
-              </a:rPr>
-              <a:t># Train the model using the training sets</a:t>
-            </a:r>
-          </a:p>
-          <a:p>
-            <a:r>
-              <a:rPr lang="fr-FR" sz="1400" dirty="0" err="1">
-                <a:solidFill>
-                  <a:srgbClr val="222222"/>
-                </a:solidFill>
-                <a:effectLst/>
-                <a:latin typeface="Courier New" pitchFamily="49" charset="0"/>
-                <a:cs typeface="Courier New" pitchFamily="49" charset="0"/>
-              </a:rPr>
-              <a:t>regr</a:t>
-            </a:r>
-            <a:r>
-              <a:rPr lang="fr-FR" sz="1400" dirty="0" err="1">
-                <a:solidFill>
-                  <a:srgbClr val="666666"/>
-                </a:solidFill>
-                <a:effectLst/>
-                <a:latin typeface="Courier New" pitchFamily="49" charset="0"/>
-                <a:cs typeface="Courier New" pitchFamily="49" charset="0"/>
-              </a:rPr>
-              <a:t>.</a:t>
-            </a:r>
-            <a:r>
-              <a:rPr lang="fr-FR" sz="1400" dirty="0" err="1">
-                <a:solidFill>
-                  <a:srgbClr val="222222"/>
-                </a:solidFill>
-                <a:effectLst/>
-                <a:latin typeface="Courier New" pitchFamily="49" charset="0"/>
-                <a:cs typeface="Courier New" pitchFamily="49" charset="0"/>
-              </a:rPr>
-              <a:t>fit</a:t>
-            </a:r>
-            <a:r>
-              <a:rPr lang="fr-FR" sz="1400" dirty="0">
-                <a:solidFill>
-                  <a:srgbClr val="222222"/>
-                </a:solidFill>
-                <a:effectLst/>
-                <a:latin typeface="Courier New" pitchFamily="49" charset="0"/>
-                <a:cs typeface="Courier New" pitchFamily="49" charset="0"/>
-              </a:rPr>
-              <a:t>(</a:t>
-            </a:r>
-            <a:r>
-              <a:rPr lang="fr-FR" sz="1400" dirty="0" err="1">
-                <a:solidFill>
-                  <a:srgbClr val="222222"/>
-                </a:solidFill>
-                <a:effectLst/>
-                <a:latin typeface="Courier New" pitchFamily="49" charset="0"/>
-                <a:cs typeface="Courier New" pitchFamily="49" charset="0"/>
-              </a:rPr>
-              <a:t>diabetes_X_train</a:t>
-            </a:r>
-            <a:r>
-              <a:rPr lang="fr-FR" sz="1400" dirty="0">
-                <a:solidFill>
-                  <a:srgbClr val="222222"/>
-                </a:solidFill>
-                <a:effectLst/>
-                <a:latin typeface="Courier New" pitchFamily="49" charset="0"/>
-                <a:cs typeface="Courier New" pitchFamily="49" charset="0"/>
-              </a:rPr>
-              <a:t>, </a:t>
-            </a:r>
-            <a:r>
-              <a:rPr lang="fr-FR" sz="1400" dirty="0" err="1">
-                <a:solidFill>
-                  <a:srgbClr val="222222"/>
-                </a:solidFill>
-                <a:effectLst/>
-                <a:latin typeface="Courier New" pitchFamily="49" charset="0"/>
-                <a:cs typeface="Courier New" pitchFamily="49" charset="0"/>
-              </a:rPr>
-              <a:t>diabetes_y_train</a:t>
-            </a:r>
-            <a:r>
-              <a:rPr lang="fr-FR" sz="1400" dirty="0">
-                <a:solidFill>
-                  <a:srgbClr val="222222"/>
-                </a:solidFill>
-                <a:effectLst/>
-                <a:latin typeface="Courier New" pitchFamily="49" charset="0"/>
-                <a:cs typeface="Courier New" pitchFamily="49" charset="0"/>
-              </a:rPr>
-              <a:t>)</a:t>
-            </a:r>
-          </a:p>
-          <a:p>
-            <a:endParaRPr lang="fr-FR" sz="1400" dirty="0">
-              <a:solidFill>
-                <a:srgbClr val="222222"/>
-              </a:solidFill>
-              <a:effectLst/>
-              <a:latin typeface="Courier New" pitchFamily="49" charset="0"/>
-              <a:cs typeface="Courier New" pitchFamily="49" charset="0"/>
-            </a:endParaRPr>
-          </a:p>
-          <a:p>
-            <a:r>
-              <a:rPr lang="en-CA" sz="1400" i="1" dirty="0">
-                <a:solidFill>
-                  <a:srgbClr val="408090"/>
-                </a:solidFill>
-                <a:effectLst/>
-                <a:latin typeface="Courier New" pitchFamily="49" charset="0"/>
-                <a:cs typeface="Courier New" pitchFamily="49" charset="0"/>
-              </a:rPr>
-              <a:t># The mean square error</a:t>
-            </a:r>
-          </a:p>
-          <a:p>
-            <a:r>
-              <a:rPr lang="en-CA" sz="1400" b="1" dirty="0">
-                <a:solidFill>
-                  <a:srgbClr val="007020"/>
-                </a:solidFill>
-                <a:effectLst/>
-                <a:latin typeface="Courier New" pitchFamily="49" charset="0"/>
-                <a:cs typeface="Courier New" pitchFamily="49" charset="0"/>
-              </a:rPr>
-              <a:t>print</a:t>
-            </a:r>
-            <a:r>
-              <a:rPr lang="en-CA" sz="1400" dirty="0">
-                <a:solidFill>
-                  <a:srgbClr val="222222"/>
-                </a:solidFill>
-                <a:effectLst/>
-                <a:latin typeface="Courier New" pitchFamily="49" charset="0"/>
-                <a:cs typeface="Courier New" pitchFamily="49" charset="0"/>
-              </a:rPr>
-              <a:t>(</a:t>
-            </a:r>
-            <a:r>
-              <a:rPr lang="en-CA" sz="1400" dirty="0">
-                <a:solidFill>
-                  <a:srgbClr val="4070A0"/>
-                </a:solidFill>
-                <a:effectLst/>
-                <a:latin typeface="Courier New" pitchFamily="49" charset="0"/>
-                <a:cs typeface="Courier New" pitchFamily="49" charset="0"/>
-              </a:rPr>
-              <a:t>"Residual sum of squares: </a:t>
-            </a:r>
-            <a:r>
-              <a:rPr lang="en-CA" sz="1400" i="1" dirty="0">
-                <a:solidFill>
-                  <a:srgbClr val="70A0D0"/>
-                </a:solidFill>
-                <a:effectLst/>
-                <a:latin typeface="Courier New" pitchFamily="49" charset="0"/>
-                <a:cs typeface="Courier New" pitchFamily="49" charset="0"/>
-              </a:rPr>
-              <a:t>%.2f</a:t>
-            </a:r>
-            <a:r>
-              <a:rPr lang="en-CA" sz="1400" dirty="0">
-                <a:solidFill>
-                  <a:srgbClr val="4070A0"/>
-                </a:solidFill>
-                <a:effectLst/>
-                <a:latin typeface="Courier New" pitchFamily="49" charset="0"/>
-                <a:cs typeface="Courier New" pitchFamily="49" charset="0"/>
-              </a:rPr>
-              <a:t>"</a:t>
-            </a:r>
-            <a:r>
-              <a:rPr lang="en-CA" sz="1400" dirty="0">
-                <a:solidFill>
-                  <a:srgbClr val="222222"/>
-                </a:solidFill>
-                <a:effectLst/>
-                <a:latin typeface="Courier New" pitchFamily="49" charset="0"/>
-                <a:cs typeface="Courier New" pitchFamily="49" charset="0"/>
-              </a:rPr>
-              <a:t>      </a:t>
-            </a:r>
-            <a:br>
-              <a:rPr lang="en-CA" sz="1400" dirty="0">
-                <a:solidFill>
-                  <a:srgbClr val="222222"/>
-                </a:solidFill>
-                <a:effectLst/>
-                <a:latin typeface="Courier New" pitchFamily="49" charset="0"/>
-                <a:cs typeface="Courier New" pitchFamily="49" charset="0"/>
-              </a:rPr>
-            </a:br>
-            <a:r>
-              <a:rPr lang="en-CA" sz="1400" dirty="0">
-                <a:solidFill>
-                  <a:srgbClr val="666666"/>
-                </a:solidFill>
-                <a:effectLst/>
-                <a:latin typeface="Courier New" pitchFamily="49" charset="0"/>
-                <a:cs typeface="Courier New" pitchFamily="49" charset="0"/>
-              </a:rPr>
-              <a:t>%</a:t>
-            </a:r>
-            <a:r>
-              <a:rPr lang="en-CA" sz="1400" dirty="0">
-                <a:solidFill>
-                  <a:srgbClr val="222222"/>
-                </a:solidFill>
-                <a:effectLst/>
-                <a:latin typeface="Courier New" pitchFamily="49" charset="0"/>
-                <a:cs typeface="Courier New" pitchFamily="49" charset="0"/>
-              </a:rPr>
-              <a:t> </a:t>
-            </a:r>
-            <a:r>
-              <a:rPr lang="en-CA" sz="1400" u="sng" dirty="0" err="1">
-                <a:solidFill>
-                  <a:srgbClr val="2878A2"/>
-                </a:solidFill>
-                <a:effectLst/>
-                <a:latin typeface="Courier New" pitchFamily="49" charset="0"/>
-                <a:cs typeface="Courier New" pitchFamily="49" charset="0"/>
-                <a:hlinkClick r:id="rId4"/>
-              </a:rPr>
-              <a:t>np</a:t>
-            </a:r>
-            <a:r>
-              <a:rPr lang="en-CA" sz="1400" u="sng" dirty="0" err="1">
-                <a:solidFill>
-                  <a:srgbClr val="666666"/>
-                </a:solidFill>
-                <a:effectLst/>
-                <a:latin typeface="Courier New" pitchFamily="49" charset="0"/>
-                <a:cs typeface="Courier New" pitchFamily="49" charset="0"/>
-                <a:hlinkClick r:id="rId4"/>
-              </a:rPr>
-              <a:t>.</a:t>
-            </a:r>
-            <a:r>
-              <a:rPr lang="en-CA" sz="1400" u="sng" dirty="0" err="1">
-                <a:solidFill>
-                  <a:srgbClr val="2878A2"/>
-                </a:solidFill>
-                <a:effectLst/>
-                <a:latin typeface="Courier New" pitchFamily="49" charset="0"/>
-                <a:cs typeface="Courier New" pitchFamily="49" charset="0"/>
-                <a:hlinkClick r:id="rId4"/>
-              </a:rPr>
-              <a:t>mean</a:t>
-            </a:r>
-            <a:r>
-              <a:rPr lang="en-CA" sz="1400" dirty="0">
-                <a:solidFill>
-                  <a:srgbClr val="222222"/>
-                </a:solidFill>
-                <a:effectLst/>
-                <a:latin typeface="Courier New" pitchFamily="49" charset="0"/>
-                <a:cs typeface="Courier New" pitchFamily="49" charset="0"/>
-              </a:rPr>
-              <a:t>((</a:t>
-            </a:r>
-            <a:r>
-              <a:rPr lang="en-CA" sz="1400" dirty="0" err="1">
-                <a:solidFill>
-                  <a:srgbClr val="222222"/>
-                </a:solidFill>
-                <a:effectLst/>
-                <a:latin typeface="Courier New" pitchFamily="49" charset="0"/>
-                <a:cs typeface="Courier New" pitchFamily="49" charset="0"/>
-              </a:rPr>
-              <a:t>regr</a:t>
-            </a:r>
-            <a:r>
-              <a:rPr lang="en-CA" sz="1400" dirty="0" err="1">
-                <a:solidFill>
-                  <a:srgbClr val="666666"/>
-                </a:solidFill>
-                <a:effectLst/>
-                <a:latin typeface="Courier New" pitchFamily="49" charset="0"/>
-                <a:cs typeface="Courier New" pitchFamily="49" charset="0"/>
-              </a:rPr>
-              <a:t>.</a:t>
-            </a:r>
-            <a:r>
-              <a:rPr lang="en-CA" sz="1400" dirty="0" err="1">
-                <a:solidFill>
-                  <a:srgbClr val="222222"/>
-                </a:solidFill>
-                <a:effectLst/>
-                <a:latin typeface="Courier New" pitchFamily="49" charset="0"/>
-                <a:cs typeface="Courier New" pitchFamily="49" charset="0"/>
-              </a:rPr>
-              <a:t>predict</a:t>
-            </a:r>
-            <a:r>
-              <a:rPr lang="en-CA" sz="1400" dirty="0">
-                <a:solidFill>
-                  <a:srgbClr val="222222"/>
-                </a:solidFill>
-                <a:effectLst/>
-                <a:latin typeface="Courier New" pitchFamily="49" charset="0"/>
-                <a:cs typeface="Courier New" pitchFamily="49" charset="0"/>
-              </a:rPr>
-              <a:t>(</a:t>
-            </a:r>
-            <a:r>
-              <a:rPr lang="en-CA" sz="1400" dirty="0" err="1">
-                <a:solidFill>
-                  <a:srgbClr val="222222"/>
-                </a:solidFill>
-                <a:effectLst/>
-                <a:latin typeface="Courier New" pitchFamily="49" charset="0"/>
-                <a:cs typeface="Courier New" pitchFamily="49" charset="0"/>
-              </a:rPr>
-              <a:t>diabetes_X_test</a:t>
-            </a:r>
-            <a:r>
-              <a:rPr lang="en-CA" sz="1400" dirty="0">
-                <a:solidFill>
-                  <a:srgbClr val="222222"/>
-                </a:solidFill>
-                <a:effectLst/>
-                <a:latin typeface="Courier New" pitchFamily="49" charset="0"/>
-                <a:cs typeface="Courier New" pitchFamily="49" charset="0"/>
-              </a:rPr>
-              <a:t>) </a:t>
-            </a:r>
-            <a:r>
-              <a:rPr lang="en-CA" sz="1400" dirty="0">
-                <a:solidFill>
-                  <a:srgbClr val="666666"/>
-                </a:solidFill>
-                <a:effectLst/>
-                <a:latin typeface="Courier New" pitchFamily="49" charset="0"/>
-                <a:cs typeface="Courier New" pitchFamily="49" charset="0"/>
-              </a:rPr>
-              <a:t>-</a:t>
-            </a:r>
-            <a:r>
-              <a:rPr lang="en-CA" sz="1400" dirty="0">
-                <a:solidFill>
-                  <a:srgbClr val="222222"/>
-                </a:solidFill>
-                <a:effectLst/>
-                <a:latin typeface="Courier New" pitchFamily="49" charset="0"/>
-                <a:cs typeface="Courier New" pitchFamily="49" charset="0"/>
-              </a:rPr>
-              <a:t> </a:t>
-            </a:r>
-            <a:r>
-              <a:rPr lang="en-CA" sz="1400" dirty="0" err="1">
-                <a:solidFill>
-                  <a:srgbClr val="222222"/>
-                </a:solidFill>
-                <a:effectLst/>
-                <a:latin typeface="Courier New" pitchFamily="49" charset="0"/>
-                <a:cs typeface="Courier New" pitchFamily="49" charset="0"/>
-              </a:rPr>
-              <a:t>diabetes_y_test</a:t>
-            </a:r>
-            <a:r>
-              <a:rPr lang="en-CA" sz="1400" dirty="0">
-                <a:solidFill>
-                  <a:srgbClr val="222222"/>
-                </a:solidFill>
-                <a:effectLst/>
-                <a:latin typeface="Courier New" pitchFamily="49" charset="0"/>
-                <a:cs typeface="Courier New" pitchFamily="49" charset="0"/>
-              </a:rPr>
-              <a:t>) </a:t>
-            </a:r>
-            <a:r>
-              <a:rPr lang="en-CA" sz="1400" dirty="0">
-                <a:solidFill>
-                  <a:srgbClr val="666666"/>
-                </a:solidFill>
-                <a:effectLst/>
-                <a:latin typeface="Courier New" pitchFamily="49" charset="0"/>
-                <a:cs typeface="Courier New" pitchFamily="49" charset="0"/>
-              </a:rPr>
-              <a:t>**</a:t>
-            </a:r>
-            <a:r>
-              <a:rPr lang="en-CA" sz="1400" dirty="0">
-                <a:solidFill>
-                  <a:srgbClr val="222222"/>
-                </a:solidFill>
-                <a:effectLst/>
-                <a:latin typeface="Courier New" pitchFamily="49" charset="0"/>
-                <a:cs typeface="Courier New" pitchFamily="49" charset="0"/>
-              </a:rPr>
-              <a:t> </a:t>
-            </a:r>
-            <a:r>
-              <a:rPr lang="en-CA" sz="1400" dirty="0">
-                <a:solidFill>
-                  <a:srgbClr val="208050"/>
-                </a:solidFill>
-                <a:effectLst/>
-                <a:latin typeface="Courier New" pitchFamily="49" charset="0"/>
-                <a:cs typeface="Courier New" pitchFamily="49" charset="0"/>
-              </a:rPr>
-              <a:t>2</a:t>
-            </a:r>
-            <a:r>
-              <a:rPr lang="en-CA" sz="1400" dirty="0">
-                <a:solidFill>
-                  <a:srgbClr val="222222"/>
-                </a:solidFill>
-                <a:effectLst/>
-                <a:latin typeface="Courier New" pitchFamily="49" charset="0"/>
-                <a:cs typeface="Courier New" pitchFamily="49" charset="0"/>
-              </a:rPr>
-              <a:t>))</a:t>
-            </a:r>
-            <a:endParaRPr lang="en-CA" sz="1400" dirty="0">
-              <a:effectLst/>
-              <a:latin typeface="Courier New" pitchFamily="49" charset="0"/>
-              <a:cs typeface="Courier New" pitchFamily="49" charset="0"/>
-            </a:endParaRPr>
-          </a:p>
-        </p:txBody>
-      </p:sp>
-      <p:sp>
-        <p:nvSpPr>
-          <p:cNvPr id="6" name="TextBox 5"/>
-          <p:cNvSpPr txBox="1"/>
-          <p:nvPr/>
-        </p:nvSpPr>
-        <p:spPr>
-          <a:xfrm>
-            <a:off x="2438400" y="1094601"/>
-            <a:ext cx="8001000" cy="276999"/>
-          </a:xfrm>
-          <a:prstGeom prst="rect">
-            <a:avLst/>
-          </a:prstGeom>
-          <a:noFill/>
-        </p:spPr>
-        <p:txBody>
-          <a:bodyPr wrap="square" rtlCol="0">
-            <a:spAutoFit/>
-          </a:bodyPr>
-          <a:lstStyle/>
-          <a:p>
-            <a:r>
-              <a:rPr lang="en-CA" sz="1200" dirty="0">
-                <a:latin typeface="Courier New" pitchFamily="49" charset="0"/>
-                <a:cs typeface="Courier New" pitchFamily="49" charset="0"/>
-              </a:rPr>
-              <a:t>http://scikit-learn.org/stable/auto_examples/linear_model/plot_ols.html</a:t>
-            </a:r>
-          </a:p>
-        </p:txBody>
-      </p:sp>
-      <p:sp>
-        <p:nvSpPr>
-          <p:cNvPr id="3" name="Slide Number Placeholder 2"/>
+              <a:rPr lang="en-CA" dirty="0">
+                <a:solidFill>
+                  <a:srgbClr val="FF0000"/>
+                </a:solidFill>
+              </a:rPr>
+              <a:t>N</a:t>
+            </a:r>
+            <a:r>
+              <a:rPr lang="en-CA" dirty="0"/>
+              <a:t>atural </a:t>
+            </a:r>
+            <a:r>
+              <a:rPr lang="en-CA" dirty="0">
+                <a:solidFill>
+                  <a:srgbClr val="FF0000"/>
+                </a:solidFill>
+              </a:rPr>
+              <a:t>L</a:t>
+            </a:r>
+            <a:r>
+              <a:rPr lang="en-CA" dirty="0"/>
+              <a:t>anguage </a:t>
+            </a:r>
+            <a:r>
+              <a:rPr lang="en-CA" dirty="0" err="1">
+                <a:solidFill>
+                  <a:srgbClr val="FF0000"/>
+                </a:solidFill>
+              </a:rPr>
+              <a:t>T</a:t>
+            </a:r>
+            <a:r>
+              <a:rPr lang="en-CA" dirty="0" err="1"/>
+              <a:t>ool</a:t>
+            </a:r>
+            <a:r>
+              <a:rPr lang="en-CA" dirty="0" err="1">
+                <a:solidFill>
+                  <a:srgbClr val="FF0000"/>
+                </a:solidFill>
+              </a:rPr>
+              <a:t>K</a:t>
+            </a:r>
+            <a:r>
+              <a:rPr lang="en-CA" dirty="0" err="1"/>
+              <a:t>it</a:t>
+            </a:r>
+            <a:endParaRPr lang="en-CA" dirty="0"/>
+          </a:p>
+          <a:p>
+            <a:pPr marL="342900" lvl="1" indent="-342900">
+              <a:buFont typeface="Arial" pitchFamily="34" charset="0"/>
+              <a:buChar char="•"/>
+            </a:pPr>
+            <a:r>
+              <a:rPr lang="en-CA" dirty="0"/>
+              <a:t>Contains useful NLP tools such as </a:t>
+            </a:r>
+            <a:r>
+              <a:rPr lang="en" dirty="0"/>
+              <a:t>stemmers, lemmatizers, parsers with a bunch of corpora</a:t>
+            </a:r>
+          </a:p>
+          <a:p>
+            <a:endParaRPr lang="en-CA" dirty="0"/>
+          </a:p>
+        </p:txBody>
+      </p:sp>
+      <p:sp>
+        <p:nvSpPr>
+          <p:cNvPr id="4" name="Slide Number Placeholder 3"/>
           <p:cNvSpPr>
             <a:spLocks noGrp="1"/>
           </p:cNvSpPr>
@@ -6950,7 +5472,7 @@
     </p:spTree>
     <p:extLst>
       <p:ext uri="{BB962C8B-B14F-4D97-AF65-F5344CB8AC3E}">
-        <p14:creationId xmlns:p14="http://schemas.microsoft.com/office/powerpoint/2010/main" val="2419585244"/>
+        <p14:creationId xmlns:p14="http://schemas.microsoft.com/office/powerpoint/2010/main" val="3602656064"/>
       </p:ext>
     </p:extLst>
   </p:cSld>
@@ -7018,81 +5540,239 @@
         </p:nvSpPr>
         <p:spPr/>
         <p:txBody>
-          <a:bodyPr/>
+          <a:bodyPr>
+            <a:normAutofit lnSpcReduction="10000"/>
+          </a:bodyPr>
           <a:lstStyle/>
           <a:p>
             <a:r>
-              <a:rPr lang="en-CA" dirty="0">
-                <a:solidFill>
-                  <a:srgbClr val="FF0000"/>
-                </a:solidFill>
-              </a:rPr>
-              <a:t>N</a:t>
-            </a:r>
+              <a:rPr lang="en-CA" dirty="0" err="1"/>
+              <a:t>Tokenizers</a:t>
+            </a:r>
+            <a:endParaRPr lang="en-CA" dirty="0"/>
+          </a:p>
+          <a:p>
+            <a:pPr lvl="1"/>
             <a:r>
               <a:rPr lang="en-CA" dirty="0"/>
-              <a:t>atural </a:t>
-            </a:r>
-            <a:r>
-              <a:rPr lang="en-CA" dirty="0">
-                <a:solidFill>
-                  <a:srgbClr val="FF0000"/>
-                </a:solidFill>
-              </a:rPr>
-              <a:t>L</a:t>
-            </a:r>
+              <a:t>Divide string into lists of substrings.</a:t>
+            </a:r>
+          </a:p>
+          <a:p>
+            <a:pPr lvl="1"/>
             <a:r>
               <a:rPr lang="en-CA" dirty="0"/>
-              <a:t>anguage </a:t>
-            </a:r>
-            <a:r>
-              <a:rPr lang="en-CA" dirty="0" err="1">
-                <a:solidFill>
-                  <a:srgbClr val="FF0000"/>
-                </a:solidFill>
-              </a:rPr>
-              <a:t>T</a:t>
+              <a:t>For example, </a:t>
             </a:r>
             <a:r>
               <a:rPr lang="en-CA" dirty="0" err="1"/>
-              <a:t>ool</a:t>
-            </a:r>
-            <a:r>
-              <a:rPr lang="en-CA" dirty="0" err="1">
-                <a:solidFill>
-                  <a:srgbClr val="FF0000"/>
-                </a:solidFill>
-              </a:rPr>
-              <a:t>K</a:t>
-            </a:r>
-            <a:r>
-              <a:rPr lang="en-CA" dirty="0" err="1"/>
-              <a:t>it</a:t>
-            </a:r>
+              <a:t>tokenizers</a:t>
+            </a:r>
+            <a:r>
+              <a:rPr lang="en-CA" dirty="0"/>
+              <a:t> can be used to find the words and punctuation in a string:</a:t>
+            </a:r>
+            <a:endParaRPr lang="en-CA" sz="2000" dirty="0"/>
+          </a:p>
+          <a:p>
+            <a:pPr marL="0" indent="0">
+              <a:buNone/>
+            </a:pPr>
+            <a:endParaRPr lang="en-CA" sz="2000" dirty="0">
+              <a:latin typeface="Courier New" pitchFamily="49" charset="0"/>
+              <a:cs typeface="Courier New" pitchFamily="49" charset="0"/>
+            </a:endParaRPr>
+          </a:p>
+          <a:p>
+            <a:pPr marL="0" indent="0">
+              <a:buNone/>
+            </a:pPr>
+            <a:r>
+              <a:rPr lang="en-CA" sz="1800" dirty="0">
+                <a:latin typeface="Courier New" pitchFamily="49" charset="0"/>
+                <a:cs typeface="Courier New" pitchFamily="49" charset="0"/>
+              </a:rPr>
+              <a:t>&gt;&gt;&gt; </a:t>
+            </a:r>
+            <a:r>
+              <a:rPr lang="en-CA" sz="1800" b="1" dirty="0">
+                <a:solidFill>
+                  <a:srgbClr val="007020"/>
+                </a:solidFill>
+                <a:effectLst/>
+                <a:latin typeface="Courier New" pitchFamily="49" charset="0"/>
+                <a:cs typeface="Courier New" pitchFamily="49" charset="0"/>
+              </a:rPr>
+              <a:t>from </a:t>
+            </a:r>
+            <a:r>
+              <a:rPr lang="en-CA" sz="1800" b="1" dirty="0" err="1">
+                <a:solidFill>
+                  <a:srgbClr val="0070C0"/>
+                </a:solidFill>
+                <a:effectLst/>
+                <a:latin typeface="Courier New" pitchFamily="49" charset="0"/>
+                <a:cs typeface="Courier New" pitchFamily="49" charset="0"/>
+              </a:rPr>
+              <a:t>nltk.tokenize</a:t>
+            </a:r>
+            <a:r>
+              <a:rPr lang="en-CA" sz="1800" b="1" dirty="0">
+                <a:solidFill>
+                  <a:srgbClr val="0E84B5"/>
+                </a:solidFill>
+                <a:effectLst/>
+                <a:latin typeface="Courier New" pitchFamily="49" charset="0"/>
+                <a:cs typeface="Courier New" pitchFamily="49" charset="0"/>
+              </a:rPr>
+              <a:t> </a:t>
+            </a:r>
+            <a:r>
+              <a:rPr lang="en-CA" sz="1800" b="1" dirty="0">
+                <a:solidFill>
+                  <a:srgbClr val="007020"/>
+                </a:solidFill>
+                <a:effectLst/>
+                <a:latin typeface="Courier New" pitchFamily="49" charset="0"/>
+                <a:cs typeface="Courier New" pitchFamily="49" charset="0"/>
+              </a:rPr>
+              <a:t>import</a:t>
+            </a:r>
+            <a:r>
+              <a:rPr lang="en-CA" sz="1800" dirty="0">
+                <a:solidFill>
+                  <a:srgbClr val="222222"/>
+                </a:solidFill>
+                <a:effectLst/>
+                <a:latin typeface="Courier New" pitchFamily="49" charset="0"/>
+                <a:cs typeface="Courier New" pitchFamily="49" charset="0"/>
+              </a:rPr>
+              <a:t> </a:t>
+            </a:r>
+            <a:r>
+              <a:rPr lang="en-CA" sz="1800" dirty="0" err="1">
+                <a:latin typeface="Courier New" pitchFamily="49" charset="0"/>
+                <a:cs typeface="Courier New" pitchFamily="49" charset="0"/>
+              </a:rPr>
+              <a:t>word_tokenize</a:t>
+            </a:r>
+            <a:endParaRPr lang="en-CA" sz="1800" b="1" dirty="0">
+              <a:solidFill>
+                <a:srgbClr val="0E84B5"/>
+              </a:solidFill>
+              <a:effectLst/>
+              <a:latin typeface="Courier New" pitchFamily="49" charset="0"/>
+              <a:cs typeface="Courier New" pitchFamily="49" charset="0"/>
+            </a:endParaRPr>
+          </a:p>
+          <a:p>
+            <a:pPr marL="0" indent="0">
+              <a:buNone/>
+            </a:pPr>
+            <a:r>
+              <a:rPr lang="en-CA" sz="1800" dirty="0">
+                <a:latin typeface="Courier New" pitchFamily="49" charset="0"/>
+                <a:cs typeface="Courier New" pitchFamily="49" charset="0"/>
+              </a:rPr>
+              <a:t>&gt;&gt;&gt; s = </a:t>
+            </a:r>
+            <a:r>
+              <a:rPr lang="en-CA" sz="1800" dirty="0">
+                <a:solidFill>
+                  <a:schemeClr val="accent2"/>
+                </a:solidFill>
+                <a:latin typeface="Courier New" pitchFamily="49" charset="0"/>
+                <a:cs typeface="Courier New" pitchFamily="49" charset="0"/>
+              </a:rPr>
+              <a:t>"Good muffins cost $3.88 in New York. Please buy me two of them."</a:t>
+            </a:r>
+          </a:p>
+          <a:p>
+            <a:pPr marL="0" indent="0">
+              <a:buNone/>
+            </a:pPr>
+            <a:r>
+              <a:rPr lang="en-CA" sz="1800" dirty="0">
+                <a:latin typeface="Courier New" pitchFamily="49" charset="0"/>
+                <a:cs typeface="Courier New" pitchFamily="49" charset="0"/>
+              </a:rPr>
+              <a:t>&gt;&gt;&gt; </a:t>
+            </a:r>
+            <a:r>
+              <a:rPr lang="en-CA" sz="1800" dirty="0" err="1">
+                <a:latin typeface="Courier New" pitchFamily="49" charset="0"/>
+                <a:cs typeface="Courier New" pitchFamily="49" charset="0"/>
+              </a:rPr>
+              <a:t>word_tokenize</a:t>
+            </a:r>
+            <a:r>
+              <a:rPr lang="en-CA" sz="1800" dirty="0">
+                <a:latin typeface="Courier New" pitchFamily="49" charset="0"/>
+                <a:cs typeface="Courier New" pitchFamily="49" charset="0"/>
+              </a:rPr>
+              <a:t>(s)</a:t>
+            </a:r>
+          </a:p>
+          <a:p>
+            <a:pPr marL="0" indent="0">
+              <a:buNone/>
+            </a:pPr>
+            <a:r>
+              <a:rPr lang="en-CA" sz="1800" dirty="0">
+                <a:latin typeface="Courier New" pitchFamily="49" charset="0"/>
+                <a:cs typeface="Courier New" pitchFamily="49" charset="0"/>
+              </a:rPr>
+              <a:t>['Good', 'muffins', 'cost', '$', '3.88', 'in', 'New', 'York', '.', 'Please', 'buy', 'me', 'two', 'of', 'them', '.']</a:t>
+            </a:r>
+            <a:endParaRPr lang="en-CA" sz="1800" dirty="0">
+              <a:effectLst/>
+              <a:latin typeface="Courier New" pitchFamily="49" charset="0"/>
+              <a:cs typeface="Courier New" pitchFamily="49" charset="0"/>
+            </a:endParaRPr>
+          </a:p>
+          <a:p>
+            <a:pPr marL="0" indent="0">
+              <a:buNone/>
+            </a:pPr>
             <a:endParaRPr lang="en-CA" dirty="0"/>
           </a:p>
-          <a:p>
-            <a:pPr marL="342900" lvl="1" indent="-342900">
-              <a:buFont typeface="Arial" pitchFamily="34" charset="0"/>
-              <a:buChar char="•"/>
-            </a:pPr>
-            <a:r>
-              <a:rPr lang="en-CA" dirty="0"/>
-              <a:t>Contains useful NLP tools such as </a:t>
-            </a:r>
-            <a:r>
-              <a:rPr lang="en" dirty="0"/>
-              <a:t>stemmers, lemmatizers, parsers with a bunch of corpora</a:t>
-            </a:r>
-          </a:p>
-          <a:p>
-            <a:endParaRPr lang="en-CA" dirty="0"/>
-          </a:p>
-        </p:txBody>
-      </p:sp>
-      <p:sp>
-        <p:nvSpPr>
-          <p:cNvPr id="4" name="Slide Number Placeholder 3"/>
+        </p:txBody>
+      </p:sp>
+      <p:sp>
+        <p:nvSpPr>
+          <p:cNvPr id="4" name="TextBox 3"/>
+          <p:cNvSpPr txBox="1"/>
+          <p:nvPr/>
+        </p:nvSpPr>
+        <p:spPr>
+          <a:xfrm>
+            <a:off x="2819400" y="6019800"/>
+            <a:ext cx="6096000" cy="338554"/>
+          </a:xfrm>
+          <a:prstGeom prst="rect">
+            <a:avLst/>
+          </a:prstGeom>
+          <a:noFill/>
+        </p:spPr>
+        <p:txBody>
+          <a:bodyPr wrap="square" rtlCol="0">
+            <a:spAutoFit/>
+          </a:bodyPr>
+          <a:lstStyle/>
+          <a:p>
+            <a:r>
+              <a:rPr lang="en-CA" sz="1600" dirty="0">
+                <a:latin typeface="Courier New" pitchFamily="49" charset="0"/>
+                <a:cs typeface="Courier New" pitchFamily="49" charset="0"/>
+              </a:rPr>
+              <a:t>http://www.nltk.org/_modules/nltk/tokenize.html</a:t>
+            </a:r>
+          </a:p>
+        </p:txBody>
+      </p:sp>
+      <p:sp>
+        <p:nvSpPr>
+          <p:cNvPr id="5" name="Slide Number Placeholder 4"/>
           <p:cNvSpPr>
             <a:spLocks noGrp="1"/>
           </p:cNvSpPr>
@@ -7116,7 +5796,7 @@
     </p:spTree>
     <p:extLst>
       <p:ext uri="{BB962C8B-B14F-4D97-AF65-F5344CB8AC3E}">
-        <p14:creationId xmlns:p14="http://schemas.microsoft.com/office/powerpoint/2010/main" val="3602656064"/>
+        <p14:creationId xmlns:p14="http://schemas.microsoft.com/office/powerpoint/2010/main" val="1391141871"/>
       </p:ext>
     </p:extLst>
   </p:cSld>
@@ -7182,64 +5862,49 @@
             <p:ph idx="1"/>
           </p:nvPr>
         </p:nvSpPr>
-        <p:spPr/>
+        <p:spPr>
+          <a:xfrm>
+            <a:off x="457200" y="1600200"/>
+            <a:ext cx="8534400" cy="5105400"/>
+          </a:xfrm>
+        </p:spPr>
         <p:txBody>
           <a:bodyPr>
-            <a:normAutofit lnSpcReduction="10000"/>
+            <a:normAutofit/>
           </a:bodyPr>
           <a:lstStyle/>
           <a:p>
             <a:r>
-              <a:rPr lang="en-CA" dirty="0" err="1"/>
-              <a:t>Tokenizers</a:t>
-            </a:r>
-            <a:endParaRPr lang="en-CA" dirty="0"/>
+              <a:rPr lang="en-CA" dirty="0"/>
+              <a:t>Stemmers</a:t>
+            </a:r>
           </a:p>
           <a:p>
             <a:pPr lvl="1"/>
             <a:r>
               <a:rPr lang="en-CA" dirty="0"/>
-              <a:t>Divide string into lists of substrings.</a:t>
-            </a:r>
-          </a:p>
-          <a:p>
-            <a:pPr lvl="1"/>
+              <a:t>Remove morphological affixes from words, leaving only the word stem.</a:t>
+            </a:r>
+          </a:p>
+          <a:p>
             <a:r>
               <a:rPr lang="en-CA" dirty="0"/>
-              <a:t>For example, </a:t>
-            </a:r>
-            <a:r>
-              <a:rPr lang="en-CA" dirty="0" err="1"/>
-              <a:t>tokenizers</a:t>
-            </a:r>
-            <a:r>
-              <a:rPr lang="en-CA" dirty="0"/>
-              <a:t> can be used to find the words and punctuation in a string:</a:t>
-            </a:r>
-            <a:endParaRPr lang="en-CA" sz="2000" dirty="0"/>
+              <a:t>Example: Porter stemmer</a:t>
+            </a:r>
           </a:p>
           <a:p>
             <a:pPr marL="0" indent="0">
               <a:buNone/>
             </a:pPr>
-            <a:endParaRPr lang="en-CA" sz="2000" dirty="0">
-              <a:latin typeface="Courier New" pitchFamily="49" charset="0"/>
-              <a:cs typeface="Courier New" pitchFamily="49" charset="0"/>
-            </a:endParaRPr>
-          </a:p>
-          <a:p>
-            <a:pPr marL="0" indent="0">
-              <a:buNone/>
-            </a:pPr>
-            <a:r>
-              <a:rPr lang="en-CA" sz="1800" dirty="0">
+            <a:r>
+              <a:rPr lang="en-CA" sz="1600" dirty="0">
                 <a:latin typeface="Courier New" pitchFamily="49" charset="0"/>
                 <a:cs typeface="Courier New" pitchFamily="49" charset="0"/>
               </a:rPr>
               <a:t>&gt;&gt;&gt; </a:t>
             </a:r>
             <a:r>
-              <a:rPr lang="en-CA" sz="1800" b="1" dirty="0">
+              <a:rPr lang="en-CA" sz="1600" b="1" dirty="0">
                 <a:solidFill>
                   <a:srgbClr val="007020"/>
                 </a:solidFill>
@@ -7250,7 +5915,7 @@
               <a:t>from </a:t>
             </a:r>
             <a:r>
-              <a:rPr lang="en-CA" sz="1800" b="1" dirty="0" err="1">
+              <a:rPr lang="en-CA" sz="1600" b="1" dirty="0" err="1">
                 <a:solidFill>
                   <a:srgbClr val="0070C0"/>
                 </a:solidFill>
@@ -7258,10 +5923,10 @@
                 <a:latin typeface="Courier New" pitchFamily="49" charset="0"/>
                 <a:cs typeface="Courier New" pitchFamily="49" charset="0"/>
               </a:rPr>
-              <a:t>nltk.tokenize</a:t>
-            </a:r>
-            <a:r>
-              <a:rPr lang="en-CA" sz="1800" b="1" dirty="0">
+              <a:t>nltk.stem.porter</a:t>
+            </a:r>
+            <a:r>
+              <a:rPr lang="en-CA" sz="1600" b="1" dirty="0">
                 <a:solidFill>
                   <a:srgbClr val="0E84B5"/>
                 </a:solidFill>
@@ -7272,7 +5937,7 @@
               <a:t> </a:t>
             </a:r>
             <a:r>
-              <a:rPr lang="en-CA" sz="1800" b="1" dirty="0">
+              <a:rPr lang="en-CA" sz="1600" b="1" dirty="0">
                 <a:solidFill>
                   <a:srgbClr val="007020"/>
                 </a:solidFill>
@@ -7283,7 +5948,7 @@
               <a:t>import</a:t>
             </a:r>
             <a:r>
-              <a:rPr lang="en-CA" sz="1800" dirty="0">
+              <a:rPr lang="en-CA" sz="1600" dirty="0">
                 <a:solidFill>
                   <a:srgbClr val="222222"/>
                 </a:solidFill>
@@ -7294,13 +5959,13 @@
               <a:t> </a:t>
             </a:r>
             <a:r>
-              <a:rPr lang="en-CA" sz="1800" dirty="0" err="1">
+              <a:rPr lang="en-CA" sz="1600" dirty="0">
                 <a:latin typeface="Courier New" pitchFamily="49" charset="0"/>
                 <a:cs typeface="Courier New" pitchFamily="49" charset="0"/>
               </a:rPr>
-              <a:t>word_tokenize</a:t>
-            </a:r>
-            <a:endParaRPr lang="en-CA" sz="1800" b="1" dirty="0">
+              <a:t>*</a:t>
+            </a:r>
+            <a:endParaRPr lang="en-CA" sz="1600" b="1" dirty="0">
               <a:solidFill>
                 <a:srgbClr val="0E84B5"/>
               </a:solidFill>
@@ -7314,21 +5979,25 @@
               <a:buNone/>
             </a:pPr>
             <a:r>
-              <a:rPr lang="en-CA" sz="1800" dirty="0">
+              <a:rPr lang="en-CA" sz="1600" dirty="0">
                 <a:latin typeface="Courier New" pitchFamily="49" charset="0"/>
                 <a:cs typeface="Courier New" pitchFamily="49" charset="0"/>
               </a:rPr>
-              <a:t>&gt;&gt;&gt; s = </a:t>
-            </a:r>
-            <a:r>
-              <a:rPr lang="en-CA" sz="1800" dirty="0">
-                <a:solidFill>
-                  <a:schemeClr val="accent2"/>
-                </a:solidFill>
+              <a:t>&gt;&gt;&gt; stemmer = </a:t>
+            </a:r>
+            <a:r>
+              <a:rPr lang="en-CA" sz="1600" dirty="0" err="1">
                 <a:latin typeface="Courier New" pitchFamily="49" charset="0"/>
                 <a:cs typeface="Courier New" pitchFamily="49" charset="0"/>
               </a:rPr>
-              <a:t>"Good muffins cost $3.88 in New York. Please buy me two of them."</a:t>
+              <a:t>PorterStemmer</a:t>
+            </a:r>
+            <a:r>
+              <a:rPr lang="en-CA" sz="1600" dirty="0">
+                <a:latin typeface="Courier New" pitchFamily="49" charset="0"/>
+                <a:cs typeface="Courier New" pitchFamily="49" charset="0"/>
+              </a:rPr>
+              <a:t>()</a:t>
             </a:r>
           </a:p>
           <a:p>
@@ -7336,25 +6005,68 @@
               <a:buNone/>
             </a:pPr>
             <a:r>
-              <a:rPr lang="en-CA" sz="1800" dirty="0">
+              <a:rPr lang="en-CA" sz="1600" dirty="0">
                 <a:latin typeface="Courier New" pitchFamily="49" charset="0"/>
                 <a:cs typeface="Courier New" pitchFamily="49" charset="0"/>
               </a:rPr>
-              <a:t>&gt;&gt;&gt; </a:t>
-            </a:r>
-            <a:r>
-              <a:rPr lang="en-CA" sz="1800" dirty="0" err="1">
+              <a:t>&gt;&gt;&gt; plurals = [</a:t>
+            </a:r>
+            <a:r>
+              <a:rPr lang="en-CA" sz="1600" dirty="0">
+                <a:solidFill>
+                  <a:schemeClr val="accent2"/>
+                </a:solidFill>
                 <a:latin typeface="Courier New" pitchFamily="49" charset="0"/>
                 <a:cs typeface="Courier New" pitchFamily="49" charset="0"/>
               </a:rPr>
-              <a:t>word_tokenize</a:t>
-            </a:r>
-            <a:r>
-              <a:rPr lang="en-CA" sz="1800" dirty="0">
+              <a:t>'caresses', 'flies', 'dies', '</a:t>
+            </a:r>
+            <a:r>
+              <a:rPr lang="en-CA" sz="1600" dirty="0" err="1">
+                <a:solidFill>
+                  <a:schemeClr val="accent2"/>
+                </a:solidFill>
                 <a:latin typeface="Courier New" pitchFamily="49" charset="0"/>
                 <a:cs typeface="Courier New" pitchFamily="49" charset="0"/>
               </a:rPr>
-              <a:t>(s)</a:t>
+              <a:t>mules','denied</a:t>
+            </a:r>
+            <a:r>
+              <a:rPr lang="en-CA" sz="1600" dirty="0">
+                <a:solidFill>
+                  <a:schemeClr val="accent2"/>
+                </a:solidFill>
+                <a:latin typeface="Courier New" pitchFamily="49" charset="0"/>
+                <a:cs typeface="Courier New" pitchFamily="49" charset="0"/>
+              </a:rPr>
+              <a:t>', 'died', 'agreed', 'owned', 'humbled', 'sized', 'meeting', 'stating', '</a:t>
+            </a:r>
+            <a:r>
+              <a:rPr lang="en-CA" sz="1600" dirty="0" err="1">
+                <a:solidFill>
+                  <a:schemeClr val="accent2"/>
+                </a:solidFill>
+                <a:latin typeface="Courier New" pitchFamily="49" charset="0"/>
+                <a:cs typeface="Courier New" pitchFamily="49" charset="0"/>
+              </a:rPr>
+              <a:t>siezing</a:t>
+            </a:r>
+            <a:r>
+              <a:rPr lang="en-CA" sz="1600" dirty="0">
+                <a:solidFill>
+                  <a:schemeClr val="accent2"/>
+                </a:solidFill>
+                <a:latin typeface="Courier New" pitchFamily="49" charset="0"/>
+                <a:cs typeface="Courier New" pitchFamily="49" charset="0"/>
+              </a:rPr>
+              <a:t>', 'itemization', 'sensational', 'traditional', 'reference', 'colonizer', 'plotted'</a:t>
+            </a:r>
+            <a:r>
+              <a:rPr lang="en-CA" sz="1600" dirty="0">
+                <a:latin typeface="Courier New" pitchFamily="49" charset="0"/>
+                <a:cs typeface="Courier New" pitchFamily="49" charset="0"/>
+              </a:rPr>
+              <a:t>]</a:t>
             </a:r>
           </a:p>
           <a:p>
@@ -7362,14 +6074,231 @@
               <a:buNone/>
             </a:pPr>
             <a:r>
-              <a:rPr lang="en-CA" sz="1800" dirty="0">
+              <a:rPr lang="en-CA" sz="1600" dirty="0">
                 <a:latin typeface="Courier New" pitchFamily="49" charset="0"/>
                 <a:cs typeface="Courier New" pitchFamily="49" charset="0"/>
               </a:rPr>
-              <a:t>['Good', 'muffins', 'cost', '$', '3.88', 'in', 'New', 'York', '.', 'Please', 'buy', 'me', 'two', 'of', 'them', '.']</a:t>
-            </a:r>
-            <a:endParaRPr lang="en-CA" sz="1800" dirty="0">
-              <a:effectLst/>
+              <a:t>&gt;&gt;&gt; singles = [</a:t>
+            </a:r>
+            <a:r>
+              <a:rPr lang="en-CA" sz="1600" dirty="0" err="1">
+                <a:latin typeface="Courier New" pitchFamily="49" charset="0"/>
+                <a:cs typeface="Courier New" pitchFamily="49" charset="0"/>
+              </a:rPr>
+              <a:t>stemmer.stem</a:t>
+            </a:r>
+            <a:r>
+              <a:rPr lang="en-CA" sz="1600" dirty="0">
+                <a:latin typeface="Courier New" pitchFamily="49" charset="0"/>
+                <a:cs typeface="Courier New" pitchFamily="49" charset="0"/>
+              </a:rPr>
+              <a:t>(plural) </a:t>
+            </a:r>
+            <a:r>
+              <a:rPr lang="en-CA" sz="1600" b="1" dirty="0">
+                <a:solidFill>
+                  <a:srgbClr val="007020"/>
+                </a:solidFill>
+                <a:latin typeface="Courier New" pitchFamily="49" charset="0"/>
+                <a:cs typeface="Courier New" pitchFamily="49" charset="0"/>
+              </a:rPr>
+              <a:t>f</a:t>
+            </a:r>
+            <a:r>
+              <a:rPr lang="en-CA" sz="1600" b="1" dirty="0">
+                <a:solidFill>
+                  <a:srgbClr val="007020"/>
+                </a:solidFill>
+                <a:effectLst/>
+                <a:latin typeface="Courier New" pitchFamily="49" charset="0"/>
+                <a:cs typeface="Courier New" pitchFamily="49" charset="0"/>
+              </a:rPr>
+              <a:t>or</a:t>
+            </a:r>
+            <a:r>
+              <a:rPr lang="en-CA" sz="1600" dirty="0">
+                <a:solidFill>
+                  <a:srgbClr val="222222"/>
+                </a:solidFill>
+                <a:effectLst/>
+                <a:latin typeface="Courier New" pitchFamily="49" charset="0"/>
+                <a:cs typeface="Courier New" pitchFamily="49" charset="0"/>
+              </a:rPr>
+              <a:t> </a:t>
+            </a:r>
+            <a:r>
+              <a:rPr lang="en-CA" sz="1600" dirty="0">
+                <a:latin typeface="Courier New" pitchFamily="49" charset="0"/>
+                <a:cs typeface="Courier New" pitchFamily="49" charset="0"/>
+              </a:rPr>
+              <a:t>plural </a:t>
+            </a:r>
+            <a:r>
+              <a:rPr lang="en-CA" sz="1600" b="1" dirty="0">
+                <a:solidFill>
+                  <a:schemeClr val="accent4">
+                    <a:lumMod val="60000"/>
+                    <a:lumOff val="40000"/>
+                  </a:schemeClr>
+                </a:solidFill>
+                <a:latin typeface="Courier New" pitchFamily="49" charset="0"/>
+                <a:cs typeface="Courier New" pitchFamily="49" charset="0"/>
+              </a:rPr>
+              <a:t>in</a:t>
+            </a:r>
+            <a:r>
+              <a:rPr lang="en-CA" sz="1600" dirty="0">
+                <a:latin typeface="Courier New" pitchFamily="49" charset="0"/>
+                <a:cs typeface="Courier New" pitchFamily="49" charset="0"/>
+              </a:rPr>
+              <a:t> plurals]</a:t>
+            </a:r>
+          </a:p>
+          <a:p>
+            <a:pPr marL="0" indent="0">
+              <a:buNone/>
+            </a:pPr>
+            <a:r>
+              <a:rPr lang="en-CA" sz="1600" dirty="0">
+                <a:latin typeface="Courier New" pitchFamily="49" charset="0"/>
+                <a:cs typeface="Courier New" pitchFamily="49" charset="0"/>
+              </a:rPr>
+              <a:t>&gt;&gt;&gt; </a:t>
+            </a:r>
+            <a:r>
+              <a:rPr lang="en-CA" sz="1600" b="1" dirty="0">
+                <a:solidFill>
+                  <a:srgbClr val="007020"/>
+                </a:solidFill>
+                <a:effectLst/>
+                <a:latin typeface="Courier New" pitchFamily="49" charset="0"/>
+                <a:cs typeface="Courier New" pitchFamily="49" charset="0"/>
+              </a:rPr>
+              <a:t>print</a:t>
+            </a:r>
+            <a:r>
+              <a:rPr lang="en-CA" sz="1600" dirty="0">
+                <a:latin typeface="Courier New" pitchFamily="49" charset="0"/>
+                <a:cs typeface="Courier New" pitchFamily="49" charset="0"/>
+              </a:rPr>
+              <a:t>(' '.join(singles))</a:t>
+            </a:r>
+          </a:p>
+          <a:p>
+            <a:pPr marL="0" indent="0">
+              <a:buNone/>
+            </a:pPr>
+            <a:r>
+              <a:rPr lang="en-CA" sz="1600" dirty="0">
+                <a:latin typeface="Courier New" pitchFamily="49" charset="0"/>
+                <a:cs typeface="Courier New" pitchFamily="49" charset="0"/>
+              </a:rPr>
+              <a:t>caress </a:t>
+            </a:r>
+            <a:r>
+              <a:rPr lang="en-CA" sz="1600" dirty="0" err="1">
+                <a:latin typeface="Courier New" pitchFamily="49" charset="0"/>
+                <a:cs typeface="Courier New" pitchFamily="49" charset="0"/>
+              </a:rPr>
+              <a:t>fli</a:t>
+            </a:r>
+            <a:r>
+              <a:rPr lang="en-CA" sz="1600" dirty="0">
+                <a:latin typeface="Courier New" pitchFamily="49" charset="0"/>
+                <a:cs typeface="Courier New" pitchFamily="49" charset="0"/>
+              </a:rPr>
+              <a:t> die mule </a:t>
+            </a:r>
+            <a:r>
+              <a:rPr lang="en-CA" sz="1600" dirty="0" err="1">
+                <a:latin typeface="Courier New" pitchFamily="49" charset="0"/>
+                <a:cs typeface="Courier New" pitchFamily="49" charset="0"/>
+              </a:rPr>
+              <a:t>deni</a:t>
+            </a:r>
+            <a:r>
+              <a:rPr lang="en-CA" sz="1600" dirty="0">
+                <a:latin typeface="Courier New" pitchFamily="49" charset="0"/>
+                <a:cs typeface="Courier New" pitchFamily="49" charset="0"/>
+              </a:rPr>
+              <a:t> die </a:t>
+            </a:r>
+            <a:r>
+              <a:rPr lang="en-CA" sz="1600" dirty="0" err="1">
+                <a:latin typeface="Courier New" pitchFamily="49" charset="0"/>
+                <a:cs typeface="Courier New" pitchFamily="49" charset="0"/>
+              </a:rPr>
+              <a:t>agre</a:t>
+            </a:r>
+            <a:r>
+              <a:rPr lang="en-CA" sz="1600" dirty="0">
+                <a:latin typeface="Courier New" pitchFamily="49" charset="0"/>
+                <a:cs typeface="Courier New" pitchFamily="49" charset="0"/>
+              </a:rPr>
+              <a:t> own </a:t>
+            </a:r>
+            <a:r>
+              <a:rPr lang="en-CA" sz="1600" dirty="0" err="1">
+                <a:latin typeface="Courier New" pitchFamily="49" charset="0"/>
+                <a:cs typeface="Courier New" pitchFamily="49" charset="0"/>
+              </a:rPr>
+              <a:t>humbl</a:t>
+            </a:r>
+            <a:r>
+              <a:rPr lang="en-CA" sz="1600" dirty="0">
+                <a:latin typeface="Courier New" pitchFamily="49" charset="0"/>
+                <a:cs typeface="Courier New" pitchFamily="49" charset="0"/>
+              </a:rPr>
+              <a:t> size meet state </a:t>
+            </a:r>
+            <a:r>
+              <a:rPr lang="en-CA" sz="1600" dirty="0" err="1">
+                <a:latin typeface="Courier New" pitchFamily="49" charset="0"/>
+                <a:cs typeface="Courier New" pitchFamily="49" charset="0"/>
+              </a:rPr>
+              <a:t>siez</a:t>
+            </a:r>
+            <a:r>
+              <a:rPr lang="en-CA" sz="1600" dirty="0">
+                <a:latin typeface="Courier New" pitchFamily="49" charset="0"/>
+                <a:cs typeface="Courier New" pitchFamily="49" charset="0"/>
+              </a:rPr>
+              <a:t> item </a:t>
+            </a:r>
+            <a:r>
+              <a:rPr lang="en-CA" sz="1600" dirty="0" err="1">
+                <a:latin typeface="Courier New" pitchFamily="49" charset="0"/>
+                <a:cs typeface="Courier New" pitchFamily="49" charset="0"/>
+              </a:rPr>
+              <a:t>sensat</a:t>
+            </a:r>
+            <a:r>
+              <a:rPr lang="en-CA" sz="1600" dirty="0">
+                <a:latin typeface="Courier New" pitchFamily="49" charset="0"/>
+                <a:cs typeface="Courier New" pitchFamily="49" charset="0"/>
+              </a:rPr>
+              <a:t> </a:t>
+            </a:r>
+            <a:r>
+              <a:rPr lang="en-CA" sz="1600" dirty="0" err="1">
+                <a:latin typeface="Courier New" pitchFamily="49" charset="0"/>
+                <a:cs typeface="Courier New" pitchFamily="49" charset="0"/>
+              </a:rPr>
+              <a:t>tradit</a:t>
+            </a:r>
+            <a:r>
+              <a:rPr lang="en-CA" sz="1600" dirty="0">
+                <a:latin typeface="Courier New" pitchFamily="49" charset="0"/>
+                <a:cs typeface="Courier New" pitchFamily="49" charset="0"/>
+              </a:rPr>
+              <a:t> refer colon plot</a:t>
+            </a:r>
+          </a:p>
+          <a:p>
+            <a:pPr marL="0" indent="0">
+              <a:buNone/>
+            </a:pPr>
+            <a:endParaRPr lang="en-CA" sz="1600" dirty="0">
               <a:latin typeface="Courier New" pitchFamily="49" charset="0"/>
               <a:cs typeface="Courier New" pitchFamily="49" charset="0"/>
             </a:endParaRPr>
@@ -7378,7 +6307,10 @@
             <a:pPr marL="0" indent="0">
               <a:buNone/>
             </a:pPr>
-            <a:endParaRPr lang="en-CA" dirty="0"/>
+            <a:endParaRPr lang="en-CA" sz="1800" dirty="0">
+              <a:latin typeface="Courier New" pitchFamily="49" charset="0"/>
+              <a:cs typeface="Courier New" pitchFamily="49" charset="0"/>
+            </a:endParaRPr>
           </a:p>
         </p:txBody>
       </p:sp>
@@ -7390,7 +6322,7 @@
         </p:nvSpPr>
         <p:spPr>
           <a:xfrm>
-            <a:off x="2819400" y="6019800"/>
+            <a:off x="3962400" y="6400800"/>
             <a:ext cx="6096000" cy="338554"/>
           </a:xfrm>
           <a:prstGeom prst="rect">
@@ -7409,7 +6341,7 @@
                 <a:latin typeface="Courier New" pitchFamily="49" charset="0"/>
                 <a:cs typeface="Courier New" pitchFamily="49" charset="0"/>
               </a:rPr>
-              <a:t>http://www.nltk.org/_modules/nltk/tokenize.html</a:t>
+              <a:t>http://www.nltk.org/howto/stem.html</a:t>
             </a:r>
           </a:p>
         </p:txBody>
@@ -7440,7 +6372,7 @@
     </p:spTree>
     <p:extLst>
       <p:ext uri="{BB962C8B-B14F-4D97-AF65-F5344CB8AC3E}">
-        <p14:creationId xmlns:p14="http://schemas.microsoft.com/office/powerpoint/2010/main" val="1391141871"/>
+        <p14:creationId xmlns:p14="http://schemas.microsoft.com/office/powerpoint/2010/main" val="1525545104"/>
       </p:ext>
     </p:extLst>
   </p:cSld>
@@ -7509,46 +6441,58 @@
         <p:spPr>
           <a:xfrm>
             <a:off x="457200" y="1600200"/>
-            <a:ext cx="8534400" cy="5105400"/>
+            <a:ext cx="8229600" cy="5105400"/>
           </a:xfrm>
         </p:spPr>
         <p:txBody>
-          <a:bodyPr>
-            <a:normAutofit/>
-          </a:bodyPr>
+          <a:bodyPr/>
           <a:lstStyle/>
           <a:p>
             <a:r>
+              <a:rPr lang="en-CA" dirty="0" err="1"/>
+              <a:t>Lemmatizers</a:t>
+            </a:r>
+            <a:endParaRPr lang="en-CA" dirty="0"/>
+          </a:p>
+          <a:p>
+            <a:pPr lvl="1"/>
+            <a:r>
               <a:rPr lang="en-CA" dirty="0"/>
-              <a:t>Stemmers</a:t>
-            </a:r>
-          </a:p>
-          <a:p>
-            <a:pPr lvl="1"/>
+              <a:t>Determine the lemma of words</a:t>
+            </a:r>
+          </a:p>
+          <a:p>
             <a:r>
               <a:rPr lang="en-CA" dirty="0"/>
-              <a:t>Remove morphological affixes from words, leaving only the word stem.</a:t>
-            </a:r>
-          </a:p>
-          <a:p>
+              <a:t>Example: </a:t>
+            </a:r>
+            <a:r>
+              <a:rPr lang="en-CA" dirty="0" err="1"/>
+              <a:t>WordNet</a:t>
+            </a:r>
             <a:r>
               <a:rPr lang="en-CA" dirty="0"/>
-              <a:t>Example: Porter stemmer</a:t>
-            </a:r>
+              <a:t> </a:t>
+            </a:r>
+            <a:r>
+              <a:rPr lang="en-CA" dirty="0" err="1"/>
+              <a:t>Lemmatizer</a:t>
+            </a:r>
+            <a:endParaRPr lang="en-CA" dirty="0"/>
           </a:p>
           <a:p>
             <a:pPr marL="0" indent="0">
               <a:buNone/>
             </a:pPr>
             <a:r>
-              <a:rPr lang="en-CA" sz="1600" dirty="0">
+              <a:rPr lang="en-CA" sz="1800" dirty="0">
                 <a:latin typeface="Courier New" pitchFamily="49" charset="0"/>
                 <a:cs typeface="Courier New" pitchFamily="49" charset="0"/>
               </a:rPr>
               <a:t>&gt;&gt;&gt; </a:t>
             </a:r>
             <a:r>
-              <a:rPr lang="en-CA" sz="1600" b="1" dirty="0">
+              <a:rPr lang="en-CA" sz="1800" b="1" dirty="0">
                 <a:solidFill>
                   <a:srgbClr val="007020"/>
                 </a:solidFill>
@@ -7559,7 +6503,7 @@
               <a:t>from </a:t>
             </a:r>
             <a:r>
-              <a:rPr lang="en-CA" sz="1600" b="1" dirty="0" err="1">
+              <a:rPr lang="en-CA" sz="1800" b="1" dirty="0" err="1">
                 <a:solidFill>
                   <a:srgbClr val="0070C0"/>
                 </a:solidFill>
@@ -7567,12 +6511,12 @@
                 <a:latin typeface="Courier New" pitchFamily="49" charset="0"/>
                 <a:cs typeface="Courier New" pitchFamily="49" charset="0"/>
               </a:rPr>
-              <a:t>nltk.stem.porter</a:t>
-            </a:r>
-            <a:r>
-              <a:rPr lang="en-CA" sz="1600" b="1" dirty="0">
-                <a:solidFill>
-                  <a:srgbClr val="0E84B5"/>
+              <a:t>nltk.stem</a:t>
+            </a:r>
+            <a:r>
+              <a:rPr lang="en-CA" sz="1800" b="1" dirty="0">
+                <a:solidFill>
+                  <a:srgbClr val="0070C0"/>
                 </a:solidFill>
                 <a:effectLst/>
                 <a:latin typeface="Courier New" pitchFamily="49" charset="0"/>
@@ -7581,7 +6525,7 @@
               <a:t> </a:t>
             </a:r>
             <a:r>
-              <a:rPr lang="en-CA" sz="1600" b="1" dirty="0">
+              <a:rPr lang="en-CA" sz="1800" b="1" dirty="0">
                 <a:solidFill>
                   <a:srgbClr val="007020"/>
                 </a:solidFill>
@@ -7592,7 +6536,7 @@
               <a:t>import</a:t>
             </a:r>
             <a:r>
-              <a:rPr lang="en-CA" sz="1600" dirty="0">
+              <a:rPr lang="en-CA" sz="1800" dirty="0">
                 <a:solidFill>
                   <a:srgbClr val="222222"/>
                 </a:solidFill>
@@ -7603,13 +6547,248 @@
               <a:t> </a:t>
             </a:r>
             <a:r>
-              <a:rPr lang="en-CA" sz="1600" dirty="0">
+              <a:rPr lang="en-CA" sz="1800" dirty="0" err="1">
+                <a:solidFill>
+                  <a:srgbClr val="222222"/>
+                </a:solidFill>
+                <a:effectLst/>
                 <a:latin typeface="Courier New" pitchFamily="49" charset="0"/>
                 <a:cs typeface="Courier New" pitchFamily="49" charset="0"/>
               </a:rPr>
-              <a:t>*</a:t>
-            </a:r>
-            <a:endParaRPr lang="en-CA" sz="1600" b="1" dirty="0">
+              <a:t>WordNetLemmatizer</a:t>
+            </a:r>
+            <a:endParaRPr lang="en-CA" sz="1800" dirty="0">
+              <a:solidFill>
+                <a:srgbClr val="222222"/>
+              </a:solidFill>
+              <a:effectLst/>
+              <a:latin typeface="Courier New" pitchFamily="49" charset="0"/>
+              <a:cs typeface="Courier New" pitchFamily="49" charset="0"/>
+            </a:endParaRPr>
+          </a:p>
+          <a:p>
+            <a:pPr marL="0" indent="0">
+              <a:buNone/>
+            </a:pPr>
+            <a:r>
+              <a:rPr lang="en-CA" sz="1800" dirty="0">
+                <a:latin typeface="Courier New" pitchFamily="49" charset="0"/>
+                <a:cs typeface="Courier New" pitchFamily="49" charset="0"/>
+              </a:rPr>
+              <a:t>&gt;&gt;&gt; </a:t>
+            </a:r>
+            <a:r>
+              <a:rPr lang="en-CA" sz="1800" dirty="0" err="1">
+                <a:latin typeface="Courier New" pitchFamily="49" charset="0"/>
+                <a:cs typeface="Courier New" pitchFamily="49" charset="0"/>
+              </a:rPr>
+              <a:t>wnl</a:t>
+            </a:r>
+            <a:r>
+              <a:rPr lang="en-CA" sz="1800" dirty="0">
+                <a:latin typeface="Courier New" pitchFamily="49" charset="0"/>
+                <a:cs typeface="Courier New" pitchFamily="49" charset="0"/>
+              </a:rPr>
+              <a:t> = </a:t>
+            </a:r>
+            <a:r>
+              <a:rPr lang="en-CA" sz="1800" dirty="0" err="1">
+                <a:latin typeface="Courier New" pitchFamily="49" charset="0"/>
+                <a:cs typeface="Courier New" pitchFamily="49" charset="0"/>
+              </a:rPr>
+              <a:t>WordNetLemmatizer</a:t>
+            </a:r>
+            <a:r>
+              <a:rPr lang="en-CA" sz="1800" dirty="0">
+                <a:latin typeface="Courier New" pitchFamily="49" charset="0"/>
+                <a:cs typeface="Courier New" pitchFamily="49" charset="0"/>
+              </a:rPr>
+              <a:t>()</a:t>
+            </a:r>
+          </a:p>
+          <a:p>
+            <a:pPr marL="0" indent="0">
+              <a:buNone/>
+            </a:pPr>
+            <a:r>
+              <a:rPr lang="en-CA" sz="1800" dirty="0">
+                <a:latin typeface="Courier New" pitchFamily="49" charset="0"/>
+                <a:cs typeface="Courier New" pitchFamily="49" charset="0"/>
+              </a:rPr>
+              <a:t>&gt;&gt;&gt; words = ['dogs', 'churches', 'aardwolves', 'abaci', '</a:t>
+            </a:r>
+            <a:r>
+              <a:rPr lang="en-CA" sz="1800" dirty="0" err="1">
+                <a:latin typeface="Courier New" pitchFamily="49" charset="0"/>
+                <a:cs typeface="Courier New" pitchFamily="49" charset="0"/>
+              </a:rPr>
+              <a:t>hardrock</a:t>
+            </a:r>
+            <a:r>
+              <a:rPr lang="en-CA" sz="1800" dirty="0">
+                <a:latin typeface="Courier New" pitchFamily="49" charset="0"/>
+                <a:cs typeface="Courier New" pitchFamily="49" charset="0"/>
+              </a:rPr>
+              <a:t>']</a:t>
+            </a:r>
+          </a:p>
+          <a:p>
+            <a:pPr marL="0" indent="0">
+              <a:buNone/>
+            </a:pPr>
+            <a:r>
+              <a:rPr lang="en-CA" sz="1800" dirty="0">
+                <a:latin typeface="Courier New" pitchFamily="49" charset="0"/>
+                <a:cs typeface="Courier New" pitchFamily="49" charset="0"/>
+              </a:rPr>
+              <a:t>&gt;&gt;&gt; </a:t>
+            </a:r>
+            <a:r>
+              <a:rPr lang="en-CA" sz="1800" dirty="0" err="1">
+                <a:latin typeface="Courier New" pitchFamily="49" charset="0"/>
+                <a:cs typeface="Courier New" pitchFamily="49" charset="0"/>
+              </a:rPr>
+              <a:t>lemmata</a:t>
+            </a:r>
+            <a:r>
+              <a:rPr lang="en-CA" sz="1800" dirty="0">
+                <a:latin typeface="Courier New" pitchFamily="49" charset="0"/>
+                <a:cs typeface="Courier New" pitchFamily="49" charset="0"/>
+              </a:rPr>
+              <a:t> = [</a:t>
+            </a:r>
+            <a:r>
+              <a:rPr lang="en-CA" sz="1800" dirty="0" err="1">
+                <a:latin typeface="Courier New" pitchFamily="49" charset="0"/>
+                <a:cs typeface="Courier New" pitchFamily="49" charset="0"/>
+              </a:rPr>
+              <a:t>wnl.lemmatize</a:t>
+            </a:r>
+            <a:r>
+              <a:rPr lang="en-CA" sz="1800" dirty="0">
+                <a:latin typeface="Courier New" pitchFamily="49" charset="0"/>
+                <a:cs typeface="Courier New" pitchFamily="49" charset="0"/>
+              </a:rPr>
+              <a:t>(word) for word in words]</a:t>
+            </a:r>
+          </a:p>
+          <a:p>
+            <a:pPr marL="0" indent="0">
+              <a:buNone/>
+            </a:pPr>
+            <a:r>
+              <a:rPr lang="en-CA" sz="1800" dirty="0">
+                <a:latin typeface="Courier New" pitchFamily="49" charset="0"/>
+                <a:cs typeface="Courier New" pitchFamily="49" charset="0"/>
+              </a:rPr>
+              <a:t>&gt;&gt;&gt; for lemma in </a:t>
+            </a:r>
+            <a:r>
+              <a:rPr lang="en-CA" sz="1800" dirty="0" err="1">
+                <a:latin typeface="Courier New" pitchFamily="49" charset="0"/>
+                <a:cs typeface="Courier New" pitchFamily="49" charset="0"/>
+              </a:rPr>
+              <a:t>lemmata</a:t>
+            </a:r>
+            <a:r>
+              <a:rPr lang="en-CA" sz="1800" dirty="0">
+                <a:latin typeface="Courier New" pitchFamily="49" charset="0"/>
+                <a:cs typeface="Courier New" pitchFamily="49" charset="0"/>
+              </a:rPr>
+              <a:t>: </a:t>
+            </a:r>
+            <a:r>
+              <a:rPr lang="en-CA" sz="1800" b="1" dirty="0">
+                <a:solidFill>
+                  <a:srgbClr val="007020"/>
+                </a:solidFill>
+                <a:effectLst/>
+                <a:latin typeface="Courier New" pitchFamily="49" charset="0"/>
+                <a:cs typeface="Courier New" pitchFamily="49" charset="0"/>
+              </a:rPr>
+              <a:t>print</a:t>
+            </a:r>
+            <a:r>
+              <a:rPr lang="en-CA" sz="1800" dirty="0">
+                <a:latin typeface="Courier New" pitchFamily="49" charset="0"/>
+                <a:cs typeface="Courier New" pitchFamily="49" charset="0"/>
+              </a:rPr>
+              <a:t> lemma </a:t>
+            </a:r>
+          </a:p>
+          <a:p>
+            <a:pPr marL="0" indent="0">
+              <a:buNone/>
+            </a:pPr>
+            <a:r>
+              <a:rPr lang="en-CA" sz="1800" dirty="0">
+                <a:latin typeface="Courier New" pitchFamily="49" charset="0"/>
+                <a:cs typeface="Courier New" pitchFamily="49" charset="0"/>
+              </a:rPr>
+              <a:t>dog</a:t>
+            </a:r>
+            <a:br>
+              <a:rPr lang="en-CA" sz="1800" dirty="0">
+                <a:latin typeface="Courier New" pitchFamily="49" charset="0"/>
+                <a:cs typeface="Courier New" pitchFamily="49" charset="0"/>
+              </a:rPr>
+            </a:br>
+            <a:r>
+              <a:rPr lang="en-CA" sz="1800" dirty="0">
+                <a:latin typeface="Courier New" pitchFamily="49" charset="0"/>
+                <a:cs typeface="Courier New" pitchFamily="49" charset="0"/>
+              </a:rPr>
+              <a:t>church</a:t>
+            </a:r>
+            <a:br>
+              <a:rPr lang="en-CA" sz="1800" dirty="0">
+                <a:latin typeface="Courier New" pitchFamily="49" charset="0"/>
+                <a:cs typeface="Courier New" pitchFamily="49" charset="0"/>
+              </a:rPr>
+            </a:br>
+            <a:r>
+              <a:rPr lang="en-CA" sz="1800" dirty="0">
+                <a:latin typeface="Courier New" pitchFamily="49" charset="0"/>
+                <a:cs typeface="Courier New" pitchFamily="49" charset="0"/>
+              </a:rPr>
+              <a:t>aardwolf</a:t>
+            </a:r>
+            <a:br>
+              <a:rPr lang="en-CA" sz="1800" dirty="0">
+                <a:latin typeface="Courier New" pitchFamily="49" charset="0"/>
+                <a:cs typeface="Courier New" pitchFamily="49" charset="0"/>
+              </a:rPr>
+            </a:br>
+            <a:r>
+              <a:rPr lang="en-CA" sz="1800" dirty="0">
+                <a:latin typeface="Courier New" pitchFamily="49" charset="0"/>
+                <a:cs typeface="Courier New" pitchFamily="49" charset="0"/>
+              </a:rPr>
+              <a:t>abacus</a:t>
+            </a:r>
+            <a:br>
+              <a:rPr lang="en-CA" sz="1800" dirty="0">
+                <a:latin typeface="Courier New" pitchFamily="49" charset="0"/>
+                <a:cs typeface="Courier New" pitchFamily="49" charset="0"/>
+              </a:rPr>
+            </a:br>
+            <a:r>
+              <a:rPr lang="en-CA" sz="1800" dirty="0" err="1">
+                <a:latin typeface="Courier New" pitchFamily="49" charset="0"/>
+                <a:cs typeface="Courier New" pitchFamily="49" charset="0"/>
+              </a:rPr>
+              <a:t>hardrock</a:t>
+            </a:r>
+            <a:endParaRPr lang="en-CA" sz="1800" dirty="0">
+              <a:latin typeface="Courier New" pitchFamily="49" charset="0"/>
+              <a:cs typeface="Courier New" pitchFamily="49" charset="0"/>
+            </a:endParaRPr>
+          </a:p>
+          <a:p>
+            <a:pPr marL="0" indent="0">
+              <a:buNone/>
+            </a:pPr>
+            <a:endParaRPr lang="en-CA" sz="1800" b="1" dirty="0">
               <a:solidFill>
                 <a:srgbClr val="0E84B5"/>
               </a:solidFill>
@@ -7622,339 +6801,7 @@
             <a:pPr marL="0" indent="0">
               <a:buNone/>
             </a:pPr>
-            <a:r>
-              <a:rPr lang="en-CA" sz="1600" dirty="0">
-                <a:latin typeface="Courier New" pitchFamily="49" charset="0"/>
-                <a:cs typeface="Courier New" pitchFamily="49" charset="0"/>
-              </a:rPr>
-              <a:t>&gt;&gt;&gt; stemmer = </a:t>
-            </a:r>
-            <a:r>
-              <a:rPr lang="en-CA" sz="1600" dirty="0" err="1">
-                <a:latin typeface="Courier New" pitchFamily="49" charset="0"/>
-                <a:cs typeface="Courier New" pitchFamily="49" charset="0"/>
-              </a:rPr>
-              <a:t>PorterStemmer</a:t>
-            </a:r>
-            <a:r>
-              <a:rPr lang="en-CA" sz="1600" dirty="0">
-                <a:latin typeface="Courier New" pitchFamily="49" charset="0"/>
-                <a:cs typeface="Courier New" pitchFamily="49" charset="0"/>
-              </a:rPr>
-              <a:t>()</a:t>
-            </a:r>
-          </a:p>
-          <a:p>
-            <a:pPr marL="0" indent="0">
-              <a:buNone/>
-            </a:pPr>
-            <a:r>
-              <a:rPr lang="en-CA" sz="1600" dirty="0">
-                <a:latin typeface="Courier New" pitchFamily="49" charset="0"/>
-                <a:cs typeface="Courier New" pitchFamily="49" charset="0"/>
-              </a:rPr>
-              <a:t>&gt;&gt;&gt; plurals = [</a:t>
-            </a:r>
-            <a:r>
-              <a:rPr lang="en-CA" sz="1600" dirty="0">
-                <a:solidFill>
-                  <a:schemeClr val="accent2"/>
-                </a:solidFill>
-                <a:latin typeface="Courier New" pitchFamily="49" charset="0"/>
-                <a:cs typeface="Courier New" pitchFamily="49" charset="0"/>
-              </a:rPr>
-              <a:t>'caresses', 'flies', 'dies', '</a:t>
-            </a:r>
-            <a:r>
-              <a:rPr lang="en-CA" sz="1600" dirty="0" err="1">
-                <a:solidFill>
-                  <a:schemeClr val="accent2"/>
-                </a:solidFill>
-                <a:latin typeface="Courier New" pitchFamily="49" charset="0"/>
-                <a:cs typeface="Courier New" pitchFamily="49" charset="0"/>
-              </a:rPr>
-              <a:t>mules','denied</a:t>
-            </a:r>
-            <a:r>
-              <a:rPr lang="en-CA" sz="1600" dirty="0">
-                <a:solidFill>
-                  <a:schemeClr val="accent2"/>
-                </a:solidFill>
-                <a:latin typeface="Courier New" pitchFamily="49" charset="0"/>
-                <a:cs typeface="Courier New" pitchFamily="49" charset="0"/>
-              </a:rPr>
-              <a:t>', 'died', 'agreed', 'owned', 'humbled', 'sized', 'meeting', 'stating', '</a:t>
-            </a:r>
-            <a:r>
-              <a:rPr lang="en-CA" sz="1600" dirty="0" err="1">
-                <a:solidFill>
-                  <a:schemeClr val="accent2"/>
-                </a:solidFill>
-                <a:latin typeface="Courier New" pitchFamily="49" charset="0"/>
-                <a:cs typeface="Courier New" pitchFamily="49" charset="0"/>
-              </a:rPr>
-              <a:t>siezing</a:t>
-            </a:r>
-            <a:r>
-              <a:rPr lang="en-CA" sz="1600" dirty="0">
-                <a:solidFill>
-                  <a:schemeClr val="accent2"/>
-                </a:solidFill>
-                <a:latin typeface="Courier New" pitchFamily="49" charset="0"/>
-                <a:cs typeface="Courier New" pitchFamily="49" charset="0"/>
-              </a:rPr>
-              <a:t>', 'itemization', 'sensational', 'traditional', 'reference', 'colonizer', 'plotted'</a:t>
-            </a:r>
-            <a:r>
-              <a:rPr lang="en-CA" sz="1600" dirty="0">
-                <a:latin typeface="Courier New" pitchFamily="49" charset="0"/>
-                <a:cs typeface="Courier New" pitchFamily="49" charset="0"/>
-              </a:rPr>
-              <a:t>]</a:t>
-            </a:r>
-          </a:p>
-          <a:p>
-            <a:pPr marL="0" indent="0">
-              <a:buNone/>
-            </a:pPr>
-            <a:r>
-              <a:rPr lang="en-CA" sz="1600" dirty="0">
-                <a:latin typeface="Courier New" pitchFamily="49" charset="0"/>
-                <a:cs typeface="Courier New" pitchFamily="49" charset="0"/>
-              </a:rPr>
-              <a:t>&gt;&gt;&gt; singles = [</a:t>
-            </a:r>
-            <a:r>
-              <a:rPr lang="en-CA" sz="1600" dirty="0" err="1">
-                <a:latin typeface="Courier New" pitchFamily="49" charset="0"/>
-                <a:cs typeface="Courier New" pitchFamily="49" charset="0"/>
-              </a:rPr>
-              <a:t>stemmer.stem</a:t>
-            </a:r>
-            <a:r>
-              <a:rPr lang="en-CA" sz="1600" dirty="0">
-                <a:latin typeface="Courier New" pitchFamily="49" charset="0"/>
-                <a:cs typeface="Courier New" pitchFamily="49" charset="0"/>
-              </a:rPr>
-              <a:t>(plural) </a:t>
-            </a:r>
-            <a:r>
-              <a:rPr lang="en-CA" sz="1600" b="1" dirty="0">
-                <a:solidFill>
-                  <a:srgbClr val="007020"/>
-                </a:solidFill>
-                <a:latin typeface="Courier New" pitchFamily="49" charset="0"/>
-                <a:cs typeface="Courier New" pitchFamily="49" charset="0"/>
-              </a:rPr>
-              <a:t>f</a:t>
-            </a:r>
-            <a:r>
-              <a:rPr lang="en-CA" sz="1600" b="1" dirty="0">
-                <a:solidFill>
-                  <a:srgbClr val="007020"/>
-                </a:solidFill>
-                <a:effectLst/>
-                <a:latin typeface="Courier New" pitchFamily="49" charset="0"/>
-                <a:cs typeface="Courier New" pitchFamily="49" charset="0"/>
-              </a:rPr>
-              <a:t>or</a:t>
-            </a:r>
-            <a:r>
-              <a:rPr lang="en-CA" sz="1600" dirty="0">
-                <a:solidFill>
-                  <a:srgbClr val="222222"/>
-                </a:solidFill>
-                <a:effectLst/>
-                <a:latin typeface="Courier New" pitchFamily="49" charset="0"/>
-                <a:cs typeface="Courier New" pitchFamily="49" charset="0"/>
-              </a:rPr>
-              <a:t> </a:t>
-            </a:r>
-            <a:r>
-              <a:rPr lang="en-CA" sz="1600" dirty="0">
-                <a:latin typeface="Courier New" pitchFamily="49" charset="0"/>
-                <a:cs typeface="Courier New" pitchFamily="49" charset="0"/>
-              </a:rPr>
-              <a:t>plural </a:t>
-            </a:r>
-            <a:r>
-              <a:rPr lang="en-CA" sz="1600" b="1" dirty="0">
-                <a:solidFill>
-                  <a:schemeClr val="accent4">
-                    <a:lumMod val="60000"/>
-                    <a:lumOff val="40000"/>
-                  </a:schemeClr>
-                </a:solidFill>
-                <a:latin typeface="Courier New" pitchFamily="49" charset="0"/>
-                <a:cs typeface="Courier New" pitchFamily="49" charset="0"/>
-              </a:rPr>
-              <a:t>in</a:t>
-            </a:r>
-            <a:r>
-              <a:rPr lang="en-CA" sz="1600" dirty="0">
-                <a:latin typeface="Courier New" pitchFamily="49" charset="0"/>
-                <a:cs typeface="Courier New" pitchFamily="49" charset="0"/>
-              </a:rPr>
-              <a:t> plurals]</a:t>
-            </a:r>
-          </a:p>
-          <a:p>
-            <a:pPr marL="0" indent="0">
-              <a:buNone/>
-            </a:pPr>
-            <a:r>
-              <a:rPr lang="en-CA" sz="1600" dirty="0">
-                <a:latin typeface="Courier New" pitchFamily="49" charset="0"/>
-                <a:cs typeface="Courier New" pitchFamily="49" charset="0"/>
-              </a:rPr>
-              <a:t>&gt;&gt;&gt; </a:t>
-            </a:r>
-            <a:r>
-              <a:rPr lang="en-CA" sz="1600" b="1" dirty="0">
-                <a:solidFill>
-                  <a:srgbClr val="007020"/>
-                </a:solidFill>
-                <a:effectLst/>
-                <a:latin typeface="Courier New" pitchFamily="49" charset="0"/>
-                <a:cs typeface="Courier New" pitchFamily="49" charset="0"/>
-              </a:rPr>
-              <a:t>print</a:t>
-            </a:r>
-            <a:r>
-              <a:rPr lang="en-CA" sz="1600" dirty="0">
-                <a:latin typeface="Courier New" pitchFamily="49" charset="0"/>
-                <a:cs typeface="Courier New" pitchFamily="49" charset="0"/>
-              </a:rPr>
-              <a:t>(' '.join(singles))</a:t>
-            </a:r>
-          </a:p>
-          <a:p>
-            <a:pPr marL="0" indent="0">
-              <a:buNone/>
-            </a:pPr>
-            <a:r>
-              <a:rPr lang="en-CA" sz="1600" dirty="0">
-                <a:latin typeface="Courier New" pitchFamily="49" charset="0"/>
-                <a:cs typeface="Courier New" pitchFamily="49" charset="0"/>
-              </a:rPr>
-              <a:t>caress </a:t>
-            </a:r>
-            <a:r>
-              <a:rPr lang="en-CA" sz="1600" dirty="0" err="1">
-                <a:latin typeface="Courier New" pitchFamily="49" charset="0"/>
-                <a:cs typeface="Courier New" pitchFamily="49" charset="0"/>
-              </a:rPr>
-              <a:t>fli</a:t>
-            </a:r>
-            <a:r>
-              <a:rPr lang="en-CA" sz="1600" dirty="0">
-                <a:latin typeface="Courier New" pitchFamily="49" charset="0"/>
-                <a:cs typeface="Courier New" pitchFamily="49" charset="0"/>
-              </a:rPr>
-              <a:t> die mule </a:t>
-            </a:r>
-            <a:r>
-              <a:rPr lang="en-CA" sz="1600" dirty="0" err="1">
-                <a:latin typeface="Courier New" pitchFamily="49" charset="0"/>
-                <a:cs typeface="Courier New" pitchFamily="49" charset="0"/>
-              </a:rPr>
-              <a:t>deni</a:t>
-            </a:r>
-            <a:r>
-              <a:rPr lang="en-CA" sz="1600" dirty="0">
-                <a:latin typeface="Courier New" pitchFamily="49" charset="0"/>
-                <a:cs typeface="Courier New" pitchFamily="49" charset="0"/>
-              </a:rPr>
-              <a:t> die </a:t>
-            </a:r>
-            <a:r>
-              <a:rPr lang="en-CA" sz="1600" dirty="0" err="1">
-                <a:latin typeface="Courier New" pitchFamily="49" charset="0"/>
-                <a:cs typeface="Courier New" pitchFamily="49" charset="0"/>
-              </a:rPr>
-              <a:t>agre</a:t>
-            </a:r>
-            <a:r>
-              <a:rPr lang="en-CA" sz="1600" dirty="0">
-                <a:latin typeface="Courier New" pitchFamily="49" charset="0"/>
-                <a:cs typeface="Courier New" pitchFamily="49" charset="0"/>
-              </a:rPr>
-              <a:t> own </a:t>
-            </a:r>
-            <a:r>
-              <a:rPr lang="en-CA" sz="1600" dirty="0" err="1">
-                <a:latin typeface="Courier New" pitchFamily="49" charset="0"/>
-                <a:cs typeface="Courier New" pitchFamily="49" charset="0"/>
-              </a:rPr>
-              <a:t>humbl</a:t>
-            </a:r>
-            <a:r>
-              <a:rPr lang="en-CA" sz="1600" dirty="0">
-                <a:latin typeface="Courier New" pitchFamily="49" charset="0"/>
-                <a:cs typeface="Courier New" pitchFamily="49" charset="0"/>
-              </a:rPr>
-              <a:t> size meet state </a:t>
-            </a:r>
-            <a:r>
-              <a:rPr lang="en-CA" sz="1600" dirty="0" err="1">
-                <a:latin typeface="Courier New" pitchFamily="49" charset="0"/>
-                <a:cs typeface="Courier New" pitchFamily="49" charset="0"/>
-              </a:rPr>
-              <a:t>siez</a:t>
-            </a:r>
-            <a:r>
-              <a:rPr lang="en-CA" sz="1600" dirty="0">
-                <a:latin typeface="Courier New" pitchFamily="49" charset="0"/>
-                <a:cs typeface="Courier New" pitchFamily="49" charset="0"/>
-              </a:rPr>
-              <a:t> item </a:t>
-            </a:r>
-            <a:r>
-              <a:rPr lang="en-CA" sz="1600" dirty="0" err="1">
-                <a:latin typeface="Courier New" pitchFamily="49" charset="0"/>
-                <a:cs typeface="Courier New" pitchFamily="49" charset="0"/>
-              </a:rPr>
-              <a:t>sensat</a:t>
-            </a:r>
-            <a:r>
-              <a:rPr lang="en-CA" sz="1600" dirty="0">
-                <a:latin typeface="Courier New" pitchFamily="49" charset="0"/>
-                <a:cs typeface="Courier New" pitchFamily="49" charset="0"/>
-              </a:rPr>
-              <a:t> </a:t>
-            </a:r>
-            <a:r>
-              <a:rPr lang="en-CA" sz="1600" dirty="0" err="1">
-                <a:latin typeface="Courier New" pitchFamily="49" charset="0"/>
-                <a:cs typeface="Courier New" pitchFamily="49" charset="0"/>
-              </a:rPr>
-              <a:t>tradit</a:t>
-            </a:r>
-            <a:r>
-              <a:rPr lang="en-CA" sz="1600" dirty="0">
-                <a:latin typeface="Courier New" pitchFamily="49" charset="0"/>
-                <a:cs typeface="Courier New" pitchFamily="49" charset="0"/>
-              </a:rPr>
-              <a:t> refer colon plot</a:t>
-            </a:r>
-          </a:p>
-          <a:p>
-            <a:pPr marL="0" indent="0">
-              <a:buNone/>
-            </a:pPr>
-            <a:endParaRPr lang="en-CA" sz="1600" dirty="0">
-              <a:latin typeface="Courier New" pitchFamily="49" charset="0"/>
-              <a:cs typeface="Courier New" pitchFamily="49" charset="0"/>
-            </a:endParaRPr>
-          </a:p>
-          <a:p>
-            <a:pPr marL="0" indent="0">
-              <a:buNone/>
-            </a:pPr>
-            <a:endParaRPr lang="en-CA" sz="1800" dirty="0">
-              <a:latin typeface="Courier New" pitchFamily="49" charset="0"/>
-              <a:cs typeface="Courier New" pitchFamily="49" charset="0"/>
-            </a:endParaRPr>
+            <a:endParaRPr lang="en-CA" dirty="0"/>
           </a:p>
         </p:txBody>
       </p:sp>
@@ -7966,8 +6813,8 @@
         </p:nvSpPr>
         <p:spPr>
           <a:xfrm>
-            <a:off x="3962400" y="6400800"/>
-            <a:ext cx="6096000" cy="338554"/>
+            <a:off x="2057400" y="6400800"/>
+            <a:ext cx="6477000" cy="338554"/>
           </a:xfrm>
           <a:prstGeom prst="rect">
             <a:avLst/>
@@ -7985,7 +6832,7 @@
                 <a:latin typeface="Courier New" pitchFamily="49" charset="0"/>
                 <a:cs typeface="Courier New" pitchFamily="49" charset="0"/>
               </a:rPr>
-              <a:t>http://www.nltk.org/howto/stem.html</a:t>
+              <a:t>http://www.nltk.org/_modules/nltk/stem/wordnet.html</a:t>
             </a:r>
           </a:p>
         </p:txBody>
@@ -8016,7 +6863,7 @@
     </p:spTree>
     <p:extLst>
       <p:ext uri="{BB962C8B-B14F-4D97-AF65-F5344CB8AC3E}">
-        <p14:creationId xmlns:p14="http://schemas.microsoft.com/office/powerpoint/2010/main" val="1525545104"/>
+        <p14:creationId xmlns:p14="http://schemas.microsoft.com/office/powerpoint/2010/main" val="2266520437"/>
       </p:ext>
     </p:extLst>
   </p:cSld>
@@ -8061,14 +6908,20 @@
           <a:lstStyle/>
           <a:p>
             <a:r>
-              <a:rPr lang="en-CA" b="1" dirty="0">
+              <a:rPr lang="en-CA" b="1" dirty="0" smtClean="0">
                 <a:solidFill>
                   <a:srgbClr val="C00000"/>
                 </a:solidFill>
                 <a:latin typeface="Garamond" pitchFamily="18" charset="0"/>
               </a:rPr>
-              <a:t>NLTK</a:t>
-            </a:r>
+              <a:t>Detecting Spam Emails</a:t>
+            </a:r>
+            <a:endParaRPr lang="en-CA" b="1" dirty="0">
+              <a:solidFill>
+                <a:srgbClr val="C00000"/>
+              </a:solidFill>
+              <a:latin typeface="Garamond" pitchFamily="18" charset="0"/>
+            </a:endParaRPr>
           </a:p>
         </p:txBody>
       </p:sp>
@@ -8084,406 +6937,103 @@
         </p:nvSpPr>
         <p:spPr>
           <a:xfrm>
-            <a:off x="457200" y="1600200"/>
-            <a:ext cx="8229600" cy="5105400"/>
+            <a:off x="381000" y="1401689"/>
+            <a:ext cx="8382000" cy="4525963"/>
           </a:xfrm>
         </p:spPr>
         <p:txBody>
-          <a:bodyPr/>
-          <a:lstStyle/>
-          <a:p>
-            <a:r>
-              <a:rPr lang="en-CA" dirty="0" err="1"/>
-              <a:t>Lemmatizers</a:t>
-            </a:r>
-            <a:endParaRPr lang="en-CA" dirty="0"/>
-          </a:p>
-          <a:p>
-            <a:pPr lvl="1"/>
-            <a:r>
-              <a:rPr lang="en-CA" dirty="0"/>
-              <a:t>Determine the lemma of words</a:t>
-            </a:r>
-          </a:p>
-          <a:p>
-            <a:r>
-              <a:rPr lang="en-CA" dirty="0"/>
-              <a:t>Example: </a:t>
-            </a:r>
-            <a:r>
-              <a:rPr lang="en-CA" dirty="0" err="1"/>
-              <a:t>WordNet</a:t>
-            </a:r>
-            <a:r>
-              <a:rPr lang="en-CA" dirty="0"/>
-              <a:t> </a:t>
-            </a:r>
-            <a:r>
-              <a:rPr lang="en-CA" dirty="0" err="1"/>
-              <a:t>Lemmatizer</a:t>
-            </a:r>
-            <a:endParaRPr lang="en-CA" dirty="0"/>
-          </a:p>
-          <a:p>
-            <a:pPr marL="0" indent="0">
-              <a:buNone/>
-            </a:pPr>
-            <a:r>
-              <a:rPr lang="en-CA" sz="1800" dirty="0">
-                <a:latin typeface="Courier New" pitchFamily="49" charset="0"/>
-                <a:cs typeface="Courier New" pitchFamily="49" charset="0"/>
-              </a:rPr>
-              <a:t>&gt;&gt;&gt; </a:t>
-            </a:r>
-            <a:r>
-              <a:rPr lang="en-CA" sz="1800" b="1" dirty="0">
-                <a:solidFill>
-                  <a:srgbClr val="007020"/>
-                </a:solidFill>
-                <a:effectLst/>
-                <a:latin typeface="Courier New" pitchFamily="49" charset="0"/>
-                <a:cs typeface="Courier New" pitchFamily="49" charset="0"/>
-              </a:rPr>
-              <a:t>from </a:t>
-            </a:r>
-            <a:r>
-              <a:rPr lang="en-CA" sz="1800" b="1" dirty="0" err="1">
-                <a:solidFill>
-                  <a:srgbClr val="0070C0"/>
-                </a:solidFill>
-                <a:effectLst/>
-                <a:latin typeface="Courier New" pitchFamily="49" charset="0"/>
-                <a:cs typeface="Courier New" pitchFamily="49" charset="0"/>
-              </a:rPr>
-              <a:t>nltk.stem</a:t>
-            </a:r>
-            <a:r>
-              <a:rPr lang="en-CA" sz="1800" b="1" dirty="0">
-                <a:solidFill>
-                  <a:srgbClr val="0070C0"/>
-                </a:solidFill>
-                <a:effectLst/>
-                <a:latin typeface="Courier New" pitchFamily="49" charset="0"/>
-                <a:cs typeface="Courier New" pitchFamily="49" charset="0"/>
-              </a:rPr>
-              <a:t> </a:t>
-            </a:r>
-            <a:r>
-              <a:rPr lang="en-CA" sz="1800" b="1" dirty="0">
-                <a:solidFill>
-                  <a:srgbClr val="007020"/>
-                </a:solidFill>
-                <a:effectLst/>
-                <a:latin typeface="Courier New" pitchFamily="49" charset="0"/>
-                <a:cs typeface="Courier New" pitchFamily="49" charset="0"/>
-              </a:rPr>
-              <a:t>import</a:t>
-            </a:r>
-            <a:r>
-              <a:rPr lang="en-CA" sz="1800" dirty="0">
-                <a:solidFill>
-                  <a:srgbClr val="222222"/>
-                </a:solidFill>
-                <a:effectLst/>
-                <a:latin typeface="Courier New" pitchFamily="49" charset="0"/>
-                <a:cs typeface="Courier New" pitchFamily="49" charset="0"/>
-              </a:rPr>
-              <a:t> </a:t>
-            </a:r>
-            <a:r>
-              <a:rPr lang="en-CA" sz="1800" dirty="0" err="1">
-                <a:solidFill>
-                  <a:srgbClr val="222222"/>
-                </a:solidFill>
-                <a:effectLst/>
-                <a:latin typeface="Courier New" pitchFamily="49" charset="0"/>
-                <a:cs typeface="Courier New" pitchFamily="49" charset="0"/>
-              </a:rPr>
-              <a:t>WordNetLemmatizer</a:t>
-            </a:r>
-            <a:endParaRPr lang="en-CA" sz="1800" dirty="0">
-              <a:solidFill>
-                <a:srgbClr val="222222"/>
-              </a:solidFill>
-              <a:effectLst/>
-              <a:latin typeface="Courier New" pitchFamily="49" charset="0"/>
-              <a:cs typeface="Courier New" pitchFamily="49" charset="0"/>
-            </a:endParaRPr>
-          </a:p>
-          <a:p>
-            <a:pPr marL="0" indent="0">
-              <a:buNone/>
-            </a:pPr>
-            <a:r>
-              <a:rPr lang="en-CA" sz="1800" dirty="0">
-                <a:latin typeface="Courier New" pitchFamily="49" charset="0"/>
-                <a:cs typeface="Courier New" pitchFamily="49" charset="0"/>
-              </a:rPr>
-              <a:t>&gt;&gt;&gt; </a:t>
-            </a:r>
-            <a:r>
-              <a:rPr lang="en-CA" sz="1800" dirty="0" err="1">
-                <a:latin typeface="Courier New" pitchFamily="49" charset="0"/>
-                <a:cs typeface="Courier New" pitchFamily="49" charset="0"/>
-              </a:rPr>
-              <a:t>wnl</a:t>
-            </a:r>
-            <a:r>
-              <a:rPr lang="en-CA" sz="1800" dirty="0">
-                <a:latin typeface="Courier New" pitchFamily="49" charset="0"/>
-                <a:cs typeface="Courier New" pitchFamily="49" charset="0"/>
-              </a:rPr>
-              <a:t> = </a:t>
-            </a:r>
-            <a:r>
-              <a:rPr lang="en-CA" sz="1800" dirty="0" err="1">
-                <a:latin typeface="Courier New" pitchFamily="49" charset="0"/>
-                <a:cs typeface="Courier New" pitchFamily="49" charset="0"/>
-              </a:rPr>
-              <a:t>WordNetLemmatizer</a:t>
-            </a:r>
-            <a:r>
-              <a:rPr lang="en-CA" sz="1800" dirty="0">
-                <a:latin typeface="Courier New" pitchFamily="49" charset="0"/>
-                <a:cs typeface="Courier New" pitchFamily="49" charset="0"/>
-              </a:rPr>
-              <a:t>()</a:t>
-            </a:r>
-          </a:p>
-          <a:p>
-            <a:pPr marL="0" indent="0">
-              <a:buNone/>
-            </a:pPr>
-            <a:r>
-              <a:rPr lang="en-CA" sz="1800" dirty="0">
-                <a:latin typeface="Courier New" pitchFamily="49" charset="0"/>
-                <a:cs typeface="Courier New" pitchFamily="49" charset="0"/>
-              </a:rPr>
-              <a:t>&gt;&gt;&gt; words = ['dogs', 'churches', 'aardwolves', 'abaci', '</a:t>
-            </a:r>
-            <a:r>
-              <a:rPr lang="en-CA" sz="1800" dirty="0" err="1">
-                <a:latin typeface="Courier New" pitchFamily="49" charset="0"/>
-                <a:cs typeface="Courier New" pitchFamily="49" charset="0"/>
-              </a:rPr>
-              <a:t>hardrock</a:t>
-            </a:r>
-            <a:r>
-              <a:rPr lang="en-CA" sz="1800" dirty="0">
-                <a:latin typeface="Courier New" pitchFamily="49" charset="0"/>
-                <a:cs typeface="Courier New" pitchFamily="49" charset="0"/>
-              </a:rPr>
-              <a:t>']</a:t>
-            </a:r>
-          </a:p>
-          <a:p>
-            <a:pPr marL="0" indent="0">
-              <a:buNone/>
-            </a:pPr>
-            <a:r>
-              <a:rPr lang="en-CA" sz="1800" dirty="0">
-                <a:latin typeface="Courier New" pitchFamily="49" charset="0"/>
-                <a:cs typeface="Courier New" pitchFamily="49" charset="0"/>
-              </a:rPr>
-              <a:t>&gt;&gt;&gt; </a:t>
-            </a:r>
-            <a:r>
-              <a:rPr lang="en-CA" sz="1800" dirty="0" err="1">
-                <a:latin typeface="Courier New" pitchFamily="49" charset="0"/>
-                <a:cs typeface="Courier New" pitchFamily="49" charset="0"/>
-              </a:rPr>
-              <a:t>lemmata</a:t>
-            </a:r>
-            <a:r>
-              <a:rPr lang="en-CA" sz="1800" dirty="0">
-                <a:latin typeface="Courier New" pitchFamily="49" charset="0"/>
-                <a:cs typeface="Courier New" pitchFamily="49" charset="0"/>
-              </a:rPr>
-              <a:t> = [</a:t>
-            </a:r>
-            <a:r>
-              <a:rPr lang="en-CA" sz="1800" dirty="0" err="1">
-                <a:latin typeface="Courier New" pitchFamily="49" charset="0"/>
-                <a:cs typeface="Courier New" pitchFamily="49" charset="0"/>
-              </a:rPr>
-              <a:t>wnl.lemmatize</a:t>
-            </a:r>
-            <a:r>
-              <a:rPr lang="en-CA" sz="1800" dirty="0">
-                <a:latin typeface="Courier New" pitchFamily="49" charset="0"/>
-                <a:cs typeface="Courier New" pitchFamily="49" charset="0"/>
-              </a:rPr>
-              <a:t>(word) for word in words]</a:t>
-            </a:r>
-          </a:p>
-          <a:p>
-            <a:pPr marL="0" indent="0">
-              <a:buNone/>
-            </a:pPr>
-            <a:r>
-              <a:rPr lang="en-CA" sz="1800" dirty="0">
-                <a:latin typeface="Courier New" pitchFamily="49" charset="0"/>
-                <a:cs typeface="Courier New" pitchFamily="49" charset="0"/>
-              </a:rPr>
-              <a:t>&gt;&gt;&gt; for lemma in </a:t>
-            </a:r>
-            <a:r>
-              <a:rPr lang="en-CA" sz="1800" dirty="0" err="1">
-                <a:latin typeface="Courier New" pitchFamily="49" charset="0"/>
-                <a:cs typeface="Courier New" pitchFamily="49" charset="0"/>
-              </a:rPr>
-              <a:t>lemmata</a:t>
-            </a:r>
-            <a:r>
-              <a:rPr lang="en-CA" sz="1800" dirty="0">
-                <a:latin typeface="Courier New" pitchFamily="49" charset="0"/>
-                <a:cs typeface="Courier New" pitchFamily="49" charset="0"/>
-              </a:rPr>
-              <a:t>: </a:t>
-            </a:r>
-            <a:r>
-              <a:rPr lang="en-CA" sz="1800" b="1" dirty="0">
-                <a:solidFill>
-                  <a:srgbClr val="007020"/>
-                </a:solidFill>
-                <a:effectLst/>
-                <a:latin typeface="Courier New" pitchFamily="49" charset="0"/>
-                <a:cs typeface="Courier New" pitchFamily="49" charset="0"/>
-              </a:rPr>
-              <a:t>print</a:t>
-            </a:r>
-            <a:r>
-              <a:rPr lang="en-CA" sz="1800" dirty="0">
-                <a:latin typeface="Courier New" pitchFamily="49" charset="0"/>
-                <a:cs typeface="Courier New" pitchFamily="49" charset="0"/>
-              </a:rPr>
-              <a:t> lemma </a:t>
-            </a:r>
-          </a:p>
-          <a:p>
-            <a:pPr marL="0" indent="0">
-              <a:buNone/>
-            </a:pPr>
-            <a:r>
-              <a:rPr lang="en-CA" sz="1800" dirty="0">
-                <a:latin typeface="Courier New" pitchFamily="49" charset="0"/>
-                <a:cs typeface="Courier New" pitchFamily="49" charset="0"/>
-              </a:rPr>
-              <a:t>dog</a:t>
-            </a:r>
-            <a:br>
-              <a:rPr lang="en-CA" sz="1800" dirty="0">
-                <a:latin typeface="Courier New" pitchFamily="49" charset="0"/>
-                <a:cs typeface="Courier New" pitchFamily="49" charset="0"/>
-              </a:rPr>
-            </a:br>
-            <a:r>
-              <a:rPr lang="en-CA" sz="1800" dirty="0">
-                <a:latin typeface="Courier New" pitchFamily="49" charset="0"/>
-                <a:cs typeface="Courier New" pitchFamily="49" charset="0"/>
-              </a:rPr>
-              <a:t>church</a:t>
-            </a:r>
-            <a:br>
-              <a:rPr lang="en-CA" sz="1800" dirty="0">
-                <a:latin typeface="Courier New" pitchFamily="49" charset="0"/>
-                <a:cs typeface="Courier New" pitchFamily="49" charset="0"/>
-              </a:rPr>
-            </a:br>
-            <a:r>
-              <a:rPr lang="en-CA" sz="1800" dirty="0">
-                <a:latin typeface="Courier New" pitchFamily="49" charset="0"/>
-                <a:cs typeface="Courier New" pitchFamily="49" charset="0"/>
-              </a:rPr>
-              <a:t>aardwolf</a:t>
-            </a:r>
-            <a:br>
-              <a:rPr lang="en-CA" sz="1800" dirty="0">
-                <a:latin typeface="Courier New" pitchFamily="49" charset="0"/>
-                <a:cs typeface="Courier New" pitchFamily="49" charset="0"/>
-              </a:rPr>
-            </a:br>
-            <a:r>
-              <a:rPr lang="en-CA" sz="1800" dirty="0">
-                <a:latin typeface="Courier New" pitchFamily="49" charset="0"/>
-                <a:cs typeface="Courier New" pitchFamily="49" charset="0"/>
-              </a:rPr>
-              <a:t>abacus</a:t>
-            </a:r>
-            <a:br>
-              <a:rPr lang="en-CA" sz="1800" dirty="0">
-                <a:latin typeface="Courier New" pitchFamily="49" charset="0"/>
-                <a:cs typeface="Courier New" pitchFamily="49" charset="0"/>
-              </a:rPr>
-            </a:br>
-            <a:r>
-              <a:rPr lang="en-CA" sz="1800" dirty="0" err="1">
-                <a:latin typeface="Courier New" pitchFamily="49" charset="0"/>
-                <a:cs typeface="Courier New" pitchFamily="49" charset="0"/>
-              </a:rPr>
-              <a:t>hardrock</a:t>
-            </a:r>
-            <a:endParaRPr lang="en-CA" sz="1800" dirty="0">
-              <a:latin typeface="Courier New" pitchFamily="49" charset="0"/>
-              <a:cs typeface="Courier New" pitchFamily="49" charset="0"/>
-            </a:endParaRPr>
-          </a:p>
-          <a:p>
-            <a:pPr marL="0" indent="0">
-              <a:buNone/>
-            </a:pPr>
-            <a:endParaRPr lang="en-CA" sz="1800" b="1" dirty="0">
-              <a:solidFill>
-                <a:srgbClr val="0E84B5"/>
-              </a:solidFill>
-              <a:effectLst/>
-              <a:latin typeface="Courier New" pitchFamily="49" charset="0"/>
-              <a:cs typeface="Courier New" pitchFamily="49" charset="0"/>
-            </a:endParaRPr>
-          </a:p>
-          <a:p>
-            <a:pPr marL="0" indent="0">
-              <a:buNone/>
-            </a:pPr>
-            <a:endParaRPr lang="en-CA" dirty="0"/>
-          </a:p>
-        </p:txBody>
-      </p:sp>
-      <p:sp>
-        <p:nvSpPr>
-          <p:cNvPr id="4" name="TextBox 3"/>
-          <p:cNvSpPr txBox="1"/>
-          <p:nvPr/>
-        </p:nvSpPr>
-        <p:spPr>
-          <a:xfrm>
-            <a:off x="2057400" y="6400800"/>
-            <a:ext cx="6477000" cy="338554"/>
-          </a:xfrm>
-          <a:prstGeom prst="rect">
-            <a:avLst/>
-          </a:prstGeom>
-          <a:noFill/>
-        </p:spPr>
-        <p:txBody>
-          <a:bodyPr wrap="square" rtlCol="0">
-            <a:spAutoFit/>
+          <a:bodyPr>
+            <a:normAutofit/>
           </a:bodyPr>
           <a:lstStyle/>
           <a:p>
-            <a:r>
-              <a:rPr lang="en-CA" sz="1600" dirty="0">
-                <a:latin typeface="Courier New" pitchFamily="49" charset="0"/>
-                <a:cs typeface="Courier New" pitchFamily="49" charset="0"/>
-              </a:rPr>
-              <a:t>http://www.nltk.org/_modules/nltk/stem/wordnet.html</a:t>
-            </a:r>
-          </a:p>
-        </p:txBody>
-      </p:sp>
-      <p:sp>
-        <p:nvSpPr>
-          <p:cNvPr id="5" name="Slide Number Placeholder 4"/>
+            <a:pPr>
+              <a:buFontTx/>
+              <a:buChar char="-"/>
+            </a:pPr>
+            <a:endParaRPr lang="en-CA" sz="2000" dirty="0"/>
+          </a:p>
+          <a:p>
+            <a:pPr>
+              <a:buFontTx/>
+              <a:buChar char="-"/>
+            </a:pPr>
+            <a:r>
+              <a:rPr lang="en-CA" sz="2800" dirty="0" smtClean="0"/>
+              <a:t>Pretty </a:t>
+            </a:r>
+            <a:r>
+              <a:rPr lang="en-CA" sz="2800" dirty="0"/>
+              <a:t>common supervised learning problem (text classification)</a:t>
+            </a:r>
+          </a:p>
+          <a:p>
+            <a:pPr>
+              <a:buFontTx/>
+              <a:buChar char="-"/>
+            </a:pPr>
+            <a:endParaRPr lang="en-CA" sz="2800" dirty="0"/>
+          </a:p>
+          <a:p>
+            <a:pPr>
+              <a:buFontTx/>
+              <a:buChar char="-"/>
+            </a:pPr>
+            <a:r>
+              <a:rPr lang="en-CA" sz="2800" dirty="0"/>
+              <a:t>Let’s see all of </a:t>
+            </a:r>
+            <a:r>
+              <a:rPr lang="en-CA" sz="2800" dirty="0" smtClean="0"/>
+              <a:t>these libraries </a:t>
+            </a:r>
+            <a:r>
+              <a:rPr lang="en-CA" sz="2800" dirty="0"/>
+              <a:t>in action now!</a:t>
+            </a:r>
+          </a:p>
+          <a:p>
+            <a:pPr>
+              <a:buFontTx/>
+              <a:buChar char="-"/>
+            </a:pPr>
+            <a:endParaRPr lang="en-CA" sz="2800" dirty="0"/>
+          </a:p>
+          <a:p>
+            <a:pPr>
+              <a:buFontTx/>
+              <a:buChar char="-"/>
+            </a:pPr>
+            <a:r>
+              <a:rPr lang="en-CA" sz="2800" dirty="0"/>
+              <a:t>A toy dataset can be found here: </a:t>
+            </a:r>
+          </a:p>
+          <a:p>
+            <a:pPr lvl="1">
+              <a:buFontTx/>
+              <a:buChar char="-"/>
+            </a:pPr>
+            <a:r>
+              <a:rPr lang="en-CA" sz="2200" dirty="0">
+                <a:hlinkClick r:id="rId2"/>
+              </a:rPr>
+              <a:t>https://github.com/sunyam/Python-Tutorial/tree/master/dataset</a:t>
+            </a:r>
+            <a:endParaRPr lang="en-CA" sz="2200" dirty="0"/>
+          </a:p>
+          <a:p>
+            <a:pPr>
+              <a:buFontTx/>
+              <a:buChar char="-"/>
+            </a:pPr>
+            <a:endParaRPr lang="en-CA" sz="2000" dirty="0"/>
+          </a:p>
+        </p:txBody>
+      </p:sp>
+      <p:sp>
+        <p:nvSpPr>
+          <p:cNvPr id="4" name="Slide Number Placeholder 3"/>
           <p:cNvSpPr>
             <a:spLocks noGrp="1"/>
           </p:cNvSpPr>
@@ -8507,7 +7057,7 @@
     </p:spTree>
     <p:extLst>
       <p:ext uri="{BB962C8B-B14F-4D97-AF65-F5344CB8AC3E}">
-        <p14:creationId xmlns:p14="http://schemas.microsoft.com/office/powerpoint/2010/main" val="2266520437"/>
+        <p14:creationId xmlns:p14="http://schemas.microsoft.com/office/powerpoint/2010/main" val="385116456"/>
       </p:ext>
     </p:extLst>
   </p:cSld>
@@ -8558,7 +7108,7 @@
                 </a:solidFill>
                 <a:latin typeface="Garamond" pitchFamily="18" charset="0"/>
               </a:rPr>
-              <a:t>Detecting Spam Emails</a:t>
+              <a:t>Useful Resources</a:t>
             </a:r>
             <a:endParaRPr lang="en-CA" b="1" dirty="0">
               <a:solidFill>
@@ -8581,7 +7131,7 @@
         </p:nvSpPr>
         <p:spPr>
           <a:xfrm>
-            <a:off x="381000" y="1401689"/>
+            <a:off x="457200" y="1600200"/>
             <a:ext cx="8382000" cy="4525963"/>
           </a:xfrm>
         </p:spPr>
@@ -8590,6 +7140,69 @@
             <a:normAutofit/>
           </a:bodyPr>
           <a:lstStyle/>
+          <a:p>
+            <a:pPr>
+              <a:buFontTx/>
+              <a:buChar char="-"/>
+            </a:pPr>
+            <a:r>
+              <a:rPr lang="en-CA" sz="2000" dirty="0" smtClean="0">
+                <a:hlinkClick r:id="rId2"/>
+              </a:rPr>
+              <a:t>https</a:t>
+            </a:r>
+            <a:r>
+              <a:rPr lang="en-CA" sz="2000" dirty="0">
+                <a:hlinkClick r:id="rId2"/>
+              </a:rPr>
+              <a:t>://pythonprogramming.net/machine-learning-tutorials</a:t>
+            </a:r>
+            <a:r>
+              <a:rPr lang="en-CA" sz="2000" dirty="0" smtClean="0">
+                <a:hlinkClick r:id="rId2"/>
+              </a:rPr>
+              <a:t>/</a:t>
+            </a:r>
+            <a:endParaRPr lang="en-CA" sz="2000" dirty="0" smtClean="0"/>
+          </a:p>
+          <a:p>
+            <a:pPr>
+              <a:buFontTx/>
+              <a:buChar char="-"/>
+            </a:pPr>
+            <a:r>
+              <a:rPr lang="en-CA" sz="2000" dirty="0">
+                <a:hlinkClick r:id="rId3"/>
+              </a:rPr>
+              <a:t>https://pythonprogramming.net/tokenizing-words-sentences-nltk-tutorial</a:t>
+            </a:r>
+            <a:r>
+              <a:rPr lang="en-CA" sz="2000" dirty="0" smtClean="0">
+                <a:hlinkClick r:id="rId3"/>
+              </a:rPr>
+              <a:t>/</a:t>
+            </a:r>
+            <a:endParaRPr lang="en-CA" sz="2000" dirty="0" smtClean="0"/>
+          </a:p>
+          <a:p>
+            <a:pPr>
+              <a:buFontTx/>
+              <a:buChar char="-"/>
+            </a:pPr>
+            <a:r>
+              <a:rPr lang="en-CA" sz="2000" dirty="0">
+                <a:hlinkClick r:id="rId4"/>
+              </a:rPr>
+              <a:t>https://docs.python.org/2/tutorial</a:t>
+            </a:r>
+            <a:r>
+              <a:rPr lang="en-CA" sz="2000" dirty="0" smtClean="0">
+                <a:hlinkClick r:id="rId4"/>
+              </a:rPr>
+              <a:t>/</a:t>
+            </a:r>
+            <a:endParaRPr lang="en-CA" sz="2000" dirty="0" smtClean="0"/>
+          </a:p>
           <a:p>
             <a:pPr>
               <a:buFontTx/>
@@ -8602,69 +7215,7 @@
               <a:buFontTx/>
               <a:buChar char="-"/>
             </a:pPr>
-            <a:r>
-              <a:rPr lang="en-CA" sz="2800" dirty="0" smtClean="0"/>
-              <a:t>Pretty </a:t>
-            </a:r>
-            <a:r>
-              <a:rPr lang="en-CA" sz="2800" dirty="0"/>
-              <a:t>common supervised learning problem (text classification)</a:t>
-            </a:r>
-          </a:p>
-          <a:p>
-            <a:pPr>
-              <a:buFontTx/>
-              <a:buChar char="-"/>
-            </a:pPr>
-            <a:endParaRPr lang="en-CA" sz="2800" dirty="0"/>
-          </a:p>
-          <a:p>
-            <a:pPr>
-              <a:buFontTx/>
-              <a:buChar char="-"/>
-            </a:pPr>
-            <a:r>
-              <a:rPr lang="en-CA" sz="2800" dirty="0"/>
-              <a:t>Let’s see all of </a:t>
-            </a:r>
-            <a:r>
-              <a:rPr lang="en-CA" sz="2800" dirty="0" smtClean="0"/>
-              <a:t>these libraries </a:t>
-            </a:r>
-            <a:r>
-              <a:rPr lang="en-CA" sz="2800" dirty="0"/>
-              <a:t>in action now!</a:t>
-            </a:r>
-          </a:p>
-          <a:p>
-            <a:pPr>
-              <a:buFontTx/>
-              <a:buChar char="-"/>
-            </a:pPr>
-            <a:endParaRPr lang="en-CA" sz="2800" dirty="0"/>
-          </a:p>
-          <a:p>
-            <a:pPr>
-              <a:buFontTx/>
-              <a:buChar char="-"/>
-            </a:pPr>
-            <a:r>
-              <a:rPr lang="en-CA" sz="2800" dirty="0"/>
-              <a:t>A toy dataset can be found here: </a:t>
-            </a:r>
-          </a:p>
-          <a:p>
-            <a:pPr lvl="1">
-              <a:buFontTx/>
-              <a:buChar char="-"/>
-            </a:pPr>
-            <a:r>
-              <a:rPr lang="en-CA" sz="2200" dirty="0">
-                <a:hlinkClick r:id="rId2"/>
-              </a:rPr>
-              <a:t>https://github.com/sunyam/Python-Tutorial/tree/master/dataset</a:t>
-            </a:r>
-            <a:endParaRPr lang="en-CA" sz="2200" dirty="0"/>
+            <a:endParaRPr lang="en-CA" sz="2000" dirty="0" smtClean="0"/>
           </a:p>
           <a:p>
             <a:pPr>
@@ -8701,7 +7252,7 @@
     </p:spTree>
     <p:extLst>
       <p:ext uri="{BB962C8B-B14F-4D97-AF65-F5344CB8AC3E}">
-        <p14:creationId xmlns:p14="http://schemas.microsoft.com/office/powerpoint/2010/main" val="385116456"/>
+        <p14:creationId xmlns:p14="http://schemas.microsoft.com/office/powerpoint/2010/main" val="2830737822"/>
       </p:ext>
     </p:extLst>
   </p:cSld>
@@ -8888,201 +7439,6 @@
     <p:extLst>
       <p:ext uri="{BB962C8B-B14F-4D97-AF65-F5344CB8AC3E}">
         <p14:creationId xmlns:p14="http://schemas.microsoft.com/office/powerpoint/2010/main" val="43886843"/>
-      </p:ext>
-    </p:extLst>
-  </p:cSld>
-  <p:clrMapOvr>
-    <a:masterClrMapping/>
-  </p:clrMapOvr>
-</p:sld>
-</file>
-
-<file path=ppt/slides/slide20.xml><?xml version="1.0" encoding="utf-8"?>
-<p:sld xmlns:a="http://schemas.openxmlformats.org/drawingml/2006/main" xmlns:r="http://schemas.openxmlformats.org/officeDocument/2006/relationships" xmlns:p="http://schemas.openxmlformats.org/presentationml/2006/main">
-  <p:cSld>
-    <p:spTree>
-      <p:nvGrpSpPr>
-        <p:cNvPr id="1" name=""/>
-        <p:cNvGrpSpPr/>
-        <p:nvPr/>
-      </p:nvGrpSpPr>
-      <p:grpSpPr>
-        <a:xfrm>
-          <a:off x="0" y="0"/>
-          <a:ext cx="0" cy="0"/>
-          <a:chOff x="0" y="0"/>
-          <a:chExt cx="0" cy="0"/>
-        </a:xfrm>
-      </p:grpSpPr>
-      <p:sp>
-        <p:nvSpPr>
-          <p:cNvPr id="2" name="Title 1"/>
-          <p:cNvSpPr>
-            <a:spLocks noGrp="1"/>
-          </p:cNvSpPr>
-          <p:nvPr>
-            <p:ph type="title"/>
-          </p:nvPr>
-        </p:nvSpPr>
-        <p:spPr/>
-        <p:txBody>
-          <a:bodyPr vert="horz" lIns="91440" tIns="45720" rIns="91440" bIns="45720" rtlCol="0" anchor="ctr">
-            <a:normAutofit/>
-          </a:bodyPr>
-          <a:lstStyle/>
-          <a:p>
-            <a:r>
-              <a:rPr lang="en-CA" b="1" dirty="0" smtClean="0">
-                <a:solidFill>
-                  <a:srgbClr val="C00000"/>
-                </a:solidFill>
-                <a:latin typeface="Garamond" pitchFamily="18" charset="0"/>
-              </a:rPr>
-              <a:t>Useful Resources</a:t>
-            </a:r>
-            <a:endParaRPr lang="en-CA" b="1" dirty="0">
-              <a:solidFill>
-                <a:srgbClr val="C00000"/>
-              </a:solidFill>
-              <a:latin typeface="Garamond" pitchFamily="18" charset="0"/>
-            </a:endParaRPr>
-          </a:p>
-        </p:txBody>
-      </p:sp>
-      <p:sp>
-        <p:nvSpPr>
-          <p:cNvPr id="3" name="Content Placeholder 2"/>
-          <p:cNvSpPr>
-            <a:spLocks noGrp="1"/>
-          </p:cNvSpPr>
-          <p:nvPr>
-            <p:ph idx="1"/>
-          </p:nvPr>
-        </p:nvSpPr>
-        <p:spPr>
-          <a:xfrm>
-            <a:off x="457200" y="1600200"/>
-            <a:ext cx="8382000" cy="4525963"/>
-          </a:xfrm>
-        </p:spPr>
-        <p:txBody>
-          <a:bodyPr>
-            <a:normAutofit/>
-          </a:bodyPr>
-          <a:lstStyle/>
-          <a:p>
-            <a:pPr>
-              <a:buFontTx/>
-              <a:buChar char="-"/>
-            </a:pPr>
-            <a:r>
-              <a:rPr lang="en-CA" sz="2000" dirty="0" smtClean="0">
-                <a:hlinkClick r:id="rId2"/>
-              </a:rPr>
-              <a:t>https</a:t>
-            </a:r>
-            <a:r>
-              <a:rPr lang="en-CA" sz="2000" dirty="0">
-                <a:hlinkClick r:id="rId2"/>
-              </a:rPr>
-              <a:t>://pythonprogramming.net/machine-learning-tutorials</a:t>
-            </a:r>
-            <a:r>
-              <a:rPr lang="en-CA" sz="2000" dirty="0" smtClean="0">
-                <a:hlinkClick r:id="rId2"/>
-              </a:rPr>
-              <a:t>/</a:t>
-            </a:r>
-            <a:endParaRPr lang="en-CA" sz="2000" dirty="0" smtClean="0"/>
-          </a:p>
-          <a:p>
-            <a:pPr>
-              <a:buFontTx/>
-              <a:buChar char="-"/>
-            </a:pPr>
-            <a:r>
-              <a:rPr lang="en-CA" sz="2000" dirty="0">
-                <a:hlinkClick r:id="rId3"/>
-              </a:rPr>
-              <a:t>https://pythonprogramming.net/tokenizing-words-sentences-nltk-tutorial</a:t>
-            </a:r>
-            <a:r>
-              <a:rPr lang="en-CA" sz="2000" dirty="0" smtClean="0">
-                <a:hlinkClick r:id="rId3"/>
-              </a:rPr>
-              <a:t>/</a:t>
-            </a:r>
-            <a:endParaRPr lang="en-CA" sz="2000" dirty="0" smtClean="0"/>
-          </a:p>
-          <a:p>
-            <a:pPr>
-              <a:buFontTx/>
-              <a:buChar char="-"/>
-            </a:pPr>
-            <a:r>
-              <a:rPr lang="en-CA" sz="2000" dirty="0">
-                <a:hlinkClick r:id="rId4"/>
-              </a:rPr>
-              <a:t>https://docs.python.org/2/tutorial</a:t>
-            </a:r>
-            <a:r>
-              <a:rPr lang="en-CA" sz="2000" dirty="0" smtClean="0">
-                <a:hlinkClick r:id="rId4"/>
-              </a:rPr>
-              <a:t>/</a:t>
-            </a:r>
-            <a:endParaRPr lang="en-CA" sz="2000" dirty="0" smtClean="0"/>
-          </a:p>
-          <a:p>
-            <a:pPr>
-              <a:buFontTx/>
-              <a:buChar char="-"/>
-            </a:pPr>
-            <a:endParaRPr lang="en-CA" sz="2000" dirty="0"/>
-          </a:p>
-          <a:p>
-            <a:pPr>
-              <a:buFontTx/>
-              <a:buChar char="-"/>
-            </a:pPr>
-            <a:endParaRPr lang="en-CA" sz="2000" dirty="0" smtClean="0"/>
-          </a:p>
-          <a:p>
-            <a:pPr>
-              <a:buFontTx/>
-              <a:buChar char="-"/>
-            </a:pPr>
-            <a:endParaRPr lang="en-CA" sz="2000" dirty="0"/>
-          </a:p>
-        </p:txBody>
-      </p:sp>
-      <p:sp>
-        <p:nvSpPr>
-          <p:cNvPr id="4" name="Slide Number Placeholder 3"/>
-          <p:cNvSpPr>
-            <a:spLocks noGrp="1"/>
-          </p:cNvSpPr>
-          <p:nvPr>
-            <p:ph type="sldNum" sz="quarter" idx="12"/>
-          </p:nvPr>
-        </p:nvSpPr>
-        <p:spPr/>
-        <p:txBody>
-          <a:bodyPr/>
-          <a:lstStyle/>
-          <a:p>
-            <a:fld id="{F2701140-F37F-45F4-A9D3-9EC82D020F5E}" type="slidenum">
-              <a:rPr lang="en-CA" smtClean="0"/>
-              <a:t>20</a:t>
-            </a:fld>
-            <a:endParaRPr lang="en-CA"/>
-          </a:p>
-        </p:txBody>
-      </p:sp>
-    </p:spTree>
-    <p:extLst>
-      <p:ext uri="{BB962C8B-B14F-4D97-AF65-F5344CB8AC3E}">
-        <p14:creationId xmlns:p14="http://schemas.microsoft.com/office/powerpoint/2010/main" val="2830737822"/>
       </p:ext>
     </p:extLst>
   </p:cSld>
